--- a/Images/Figures_PPT/Jitter_Plot_SIN1_All.pptx
+++ b/Images/Figures_PPT/Jitter_Plot_SIN1_All.pptx
@@ -2359,7 +2359,7 @@
           </p:nvSpPr>
           <p:spPr>
             <a:xfrm>
-              <a:off x="1397280" y="6003646"/>
+              <a:off x="1397280" y="6004476"/>
               <a:ext cx="2817450" cy="0"/>
             </a:xfrm>
             <a:custGeom>
@@ -2402,7 +2402,7 @@
           </p:nvSpPr>
           <p:spPr>
             <a:xfrm>
-              <a:off x="1397280" y="4307116"/>
+              <a:off x="1397280" y="4306878"/>
               <a:ext cx="2817450" cy="0"/>
             </a:xfrm>
             <a:custGeom>
@@ -2445,7 +2445,7 @@
           </p:nvSpPr>
           <p:spPr>
             <a:xfrm>
-              <a:off x="1397280" y="2610586"/>
+              <a:off x="1397280" y="2609280"/>
               <a:ext cx="2817450" cy="0"/>
             </a:xfrm>
             <a:custGeom>
@@ -2488,7 +2488,7 @@
           </p:nvSpPr>
           <p:spPr>
             <a:xfrm>
-              <a:off x="1397280" y="6851911"/>
+              <a:off x="1397280" y="6853275"/>
               <a:ext cx="2817450" cy="0"/>
             </a:xfrm>
             <a:custGeom>
@@ -2531,7 +2531,7 @@
           </p:nvSpPr>
           <p:spPr>
             <a:xfrm>
-              <a:off x="1397280" y="5155381"/>
+              <a:off x="1397280" y="5155677"/>
               <a:ext cx="2817450" cy="0"/>
             </a:xfrm>
             <a:custGeom>
@@ -2574,7 +2574,7 @@
           </p:nvSpPr>
           <p:spPr>
             <a:xfrm>
-              <a:off x="1397280" y="3458851"/>
+              <a:off x="1397280" y="3458079"/>
               <a:ext cx="2817450" cy="0"/>
             </a:xfrm>
             <a:custGeom>
@@ -2617,7 +2617,7 @@
           </p:nvSpPr>
           <p:spPr>
             <a:xfrm>
-              <a:off x="1397280" y="1762322"/>
+              <a:off x="1397280" y="1760482"/>
               <a:ext cx="2817450" cy="0"/>
             </a:xfrm>
             <a:custGeom>
@@ -2746,7 +2746,7 @@
           </p:nvSpPr>
           <p:spPr>
             <a:xfrm>
-              <a:off x="2592077" y="3300549"/>
+              <a:off x="2041024" y="3300468"/>
               <a:ext cx="63202" cy="63202"/>
             </a:xfrm>
             <a:custGeom>
@@ -2789,7 +2789,7 @@
           </p:nvSpPr>
           <p:spPr>
             <a:xfrm>
-              <a:off x="1749371" y="3300889"/>
+              <a:off x="2185205" y="3301961"/>
               <a:ext cx="63202" cy="63202"/>
             </a:xfrm>
             <a:custGeom>
@@ -2832,7 +2832,7 @@
           </p:nvSpPr>
           <p:spPr>
             <a:xfrm>
-              <a:off x="2509628" y="3894239"/>
+              <a:off x="2259854" y="3894932"/>
               <a:ext cx="63202" cy="63202"/>
             </a:xfrm>
             <a:custGeom>
@@ -2875,7 +2875,7 @@
           </p:nvSpPr>
           <p:spPr>
             <a:xfrm>
-              <a:off x="2254555" y="3318361"/>
+              <a:off x="1933873" y="3317689"/>
               <a:ext cx="63202" cy="63202"/>
             </a:xfrm>
             <a:custGeom>
@@ -2918,7 +2918,7 @@
           </p:nvSpPr>
           <p:spPr>
             <a:xfrm>
-              <a:off x="2514444" y="3753488"/>
+              <a:off x="2539843" y="3752351"/>
               <a:ext cx="63202" cy="63202"/>
             </a:xfrm>
             <a:custGeom>
@@ -2961,7 +2961,7 @@
           </p:nvSpPr>
           <p:spPr>
             <a:xfrm>
-              <a:off x="2489936" y="3701349"/>
+              <a:off x="2604386" y="3700289"/>
               <a:ext cx="63202" cy="63202"/>
             </a:xfrm>
             <a:custGeom>
@@ -3060,7 +3060,7 @@
           </p:nvSpPr>
           <p:spPr>
             <a:xfrm>
-              <a:off x="4284320" y="6003646"/>
+              <a:off x="4284320" y="6004476"/>
               <a:ext cx="2817450" cy="0"/>
             </a:xfrm>
             <a:custGeom>
@@ -3103,7 +3103,7 @@
           </p:nvSpPr>
           <p:spPr>
             <a:xfrm>
-              <a:off x="4284320" y="4307116"/>
+              <a:off x="4284320" y="4306878"/>
               <a:ext cx="2817450" cy="0"/>
             </a:xfrm>
             <a:custGeom>
@@ -3146,7 +3146,7 @@
           </p:nvSpPr>
           <p:spPr>
             <a:xfrm>
-              <a:off x="4284320" y="2610586"/>
+              <a:off x="4284320" y="2609280"/>
               <a:ext cx="2817450" cy="0"/>
             </a:xfrm>
             <a:custGeom>
@@ -3189,7 +3189,7 @@
           </p:nvSpPr>
           <p:spPr>
             <a:xfrm>
-              <a:off x="4284320" y="6851911"/>
+              <a:off x="4284320" y="6853275"/>
               <a:ext cx="2817450" cy="0"/>
             </a:xfrm>
             <a:custGeom>
@@ -3232,7 +3232,7 @@
           </p:nvSpPr>
           <p:spPr>
             <a:xfrm>
-              <a:off x="4284320" y="5155381"/>
+              <a:off x="4284320" y="5155677"/>
               <a:ext cx="2817450" cy="0"/>
             </a:xfrm>
             <a:custGeom>
@@ -3275,7 +3275,7 @@
           </p:nvSpPr>
           <p:spPr>
             <a:xfrm>
-              <a:off x="4284320" y="3458851"/>
+              <a:off x="4284320" y="3458079"/>
               <a:ext cx="2817450" cy="0"/>
             </a:xfrm>
             <a:custGeom>
@@ -3318,7 +3318,7 @@
           </p:nvSpPr>
           <p:spPr>
             <a:xfrm>
-              <a:off x="4284320" y="1762322"/>
+              <a:off x="4284320" y="1760482"/>
               <a:ext cx="2817450" cy="0"/>
             </a:xfrm>
             <a:custGeom>
@@ -3447,7 +3447,7 @@
           </p:nvSpPr>
           <p:spPr>
             <a:xfrm>
-              <a:off x="6058618" y="6019699"/>
+              <a:off x="5972350" y="6021112"/>
               <a:ext cx="63202" cy="63202"/>
             </a:xfrm>
             <a:custGeom>
@@ -3490,7 +3490,7 @@
           </p:nvSpPr>
           <p:spPr>
             <a:xfrm>
-              <a:off x="6644572" y="5688142"/>
+              <a:off x="6652882" y="5686755"/>
               <a:ext cx="63202" cy="63202"/>
             </a:xfrm>
             <a:custGeom>
@@ -3589,7 +3589,7 @@
           </p:nvSpPr>
           <p:spPr>
             <a:xfrm>
-              <a:off x="7171360" y="6003646"/>
+              <a:off x="7171360" y="6004476"/>
               <a:ext cx="2817450" cy="0"/>
             </a:xfrm>
             <a:custGeom>
@@ -3632,7 +3632,7 @@
           </p:nvSpPr>
           <p:spPr>
             <a:xfrm>
-              <a:off x="7171360" y="4307116"/>
+              <a:off x="7171360" y="4306878"/>
               <a:ext cx="2817450" cy="0"/>
             </a:xfrm>
             <a:custGeom>
@@ -3675,7 +3675,7 @@
           </p:nvSpPr>
           <p:spPr>
             <a:xfrm>
-              <a:off x="7171360" y="2610586"/>
+              <a:off x="7171360" y="2609280"/>
               <a:ext cx="2817450" cy="0"/>
             </a:xfrm>
             <a:custGeom>
@@ -3718,7 +3718,7 @@
           </p:nvSpPr>
           <p:spPr>
             <a:xfrm>
-              <a:off x="7171360" y="6851911"/>
+              <a:off x="7171360" y="6853275"/>
               <a:ext cx="2817450" cy="0"/>
             </a:xfrm>
             <a:custGeom>
@@ -3761,7 +3761,7 @@
           </p:nvSpPr>
           <p:spPr>
             <a:xfrm>
-              <a:off x="7171360" y="5155381"/>
+              <a:off x="7171360" y="5155677"/>
               <a:ext cx="2817450" cy="0"/>
             </a:xfrm>
             <a:custGeom>
@@ -3804,7 +3804,7 @@
           </p:nvSpPr>
           <p:spPr>
             <a:xfrm>
-              <a:off x="7171360" y="3458851"/>
+              <a:off x="7171360" y="3458079"/>
               <a:ext cx="2817450" cy="0"/>
             </a:xfrm>
             <a:custGeom>
@@ -3847,7 +3847,7 @@
           </p:nvSpPr>
           <p:spPr>
             <a:xfrm>
-              <a:off x="7171360" y="1762322"/>
+              <a:off x="7171360" y="1760482"/>
               <a:ext cx="2817450" cy="0"/>
             </a:xfrm>
             <a:custGeom>
@@ -3976,7 +3976,7 @@
           </p:nvSpPr>
           <p:spPr>
             <a:xfrm>
-              <a:off x="7571215" y="2978836"/>
+              <a:off x="8106489" y="2978023"/>
               <a:ext cx="63202" cy="63202"/>
             </a:xfrm>
             <a:custGeom>
@@ -4019,7 +4019,7 @@
           </p:nvSpPr>
           <p:spPr>
             <a:xfrm>
-              <a:off x="7963214" y="3248441"/>
+              <a:off x="7693078" y="3245510"/>
               <a:ext cx="63202" cy="63202"/>
             </a:xfrm>
             <a:custGeom>
@@ -4062,7 +4062,7 @@
           </p:nvSpPr>
           <p:spPr>
             <a:xfrm>
-              <a:off x="9685584" y="6634049"/>
+              <a:off x="9301986" y="6634049"/>
               <a:ext cx="63202" cy="63202"/>
             </a:xfrm>
             <a:custGeom>
@@ -4105,7 +4105,7 @@
           </p:nvSpPr>
           <p:spPr>
             <a:xfrm>
-              <a:off x="9027809" y="6464279"/>
+              <a:off x="9039909" y="6463830"/>
               <a:ext cx="63202" cy="63202"/>
             </a:xfrm>
             <a:custGeom>
@@ -4148,7 +4148,7 @@
           </p:nvSpPr>
           <p:spPr>
             <a:xfrm>
-              <a:off x="8958147" y="5160182"/>
+              <a:off x="8978856" y="5160137"/>
               <a:ext cx="63202" cy="63202"/>
             </a:xfrm>
             <a:custGeom>
@@ -4191,7 +4191,7 @@
           </p:nvSpPr>
           <p:spPr>
             <a:xfrm>
-              <a:off x="7605077" y="3422888"/>
+              <a:off x="7733592" y="3423657"/>
               <a:ext cx="63202" cy="63202"/>
             </a:xfrm>
             <a:custGeom>
@@ -4234,7 +4234,7 @@
           </p:nvSpPr>
           <p:spPr>
             <a:xfrm>
-              <a:off x="9540701" y="6146036"/>
+              <a:off x="9529016" y="6145810"/>
               <a:ext cx="63202" cy="63202"/>
             </a:xfrm>
             <a:custGeom>
@@ -4277,7 +4277,7 @@
           </p:nvSpPr>
           <p:spPr>
             <a:xfrm>
-              <a:off x="9560174" y="5782202"/>
+              <a:off x="9190873" y="5781978"/>
               <a:ext cx="63202" cy="63202"/>
             </a:xfrm>
             <a:custGeom>
@@ -4320,7 +4320,7 @@
           </p:nvSpPr>
           <p:spPr>
             <a:xfrm>
-              <a:off x="7681153" y="4650968"/>
+              <a:off x="8125606" y="4653322"/>
               <a:ext cx="63202" cy="63202"/>
             </a:xfrm>
             <a:custGeom>
@@ -4363,7 +4363,7 @@
           </p:nvSpPr>
           <p:spPr>
             <a:xfrm>
-              <a:off x="8288263" y="2279558"/>
+              <a:off x="8155489" y="2277814"/>
               <a:ext cx="63202" cy="63202"/>
             </a:xfrm>
             <a:custGeom>
@@ -4406,7 +4406,7 @@
           </p:nvSpPr>
           <p:spPr>
             <a:xfrm>
-              <a:off x="7558561" y="2881240"/>
+              <a:off x="8248964" y="2879575"/>
               <a:ext cx="63202" cy="63202"/>
             </a:xfrm>
             <a:custGeom>
@@ -4449,7 +4449,7 @@
           </p:nvSpPr>
           <p:spPr>
             <a:xfrm>
-              <a:off x="7663829" y="2466310"/>
+              <a:off x="8406893" y="2466156"/>
               <a:ext cx="63202" cy="63202"/>
             </a:xfrm>
             <a:custGeom>
@@ -4492,7 +4492,7 @@
           </p:nvSpPr>
           <p:spPr>
             <a:xfrm>
-              <a:off x="8046758" y="4717611"/>
+              <a:off x="8063118" y="4716797"/>
               <a:ext cx="63202" cy="63202"/>
             </a:xfrm>
             <a:custGeom>
@@ -4535,7 +4535,7 @@
           </p:nvSpPr>
           <p:spPr>
             <a:xfrm>
-              <a:off x="8144599" y="2579840"/>
+              <a:off x="7726260" y="2577169"/>
               <a:ext cx="63202" cy="63202"/>
             </a:xfrm>
             <a:custGeom>
@@ -4578,7 +4578,7 @@
           </p:nvSpPr>
           <p:spPr>
             <a:xfrm>
-              <a:off x="7835150" y="2238748"/>
+              <a:off x="7749072" y="2238609"/>
               <a:ext cx="63202" cy="63202"/>
             </a:xfrm>
             <a:custGeom>
@@ -4621,7 +4621,7 @@
           </p:nvSpPr>
           <p:spPr>
             <a:xfrm>
-              <a:off x="7751603" y="2238383"/>
+              <a:off x="7460418" y="2236809"/>
               <a:ext cx="63202" cy="63202"/>
             </a:xfrm>
             <a:custGeom>
@@ -4664,7 +4664,7 @@
           </p:nvSpPr>
           <p:spPr>
             <a:xfrm>
-              <a:off x="7581620" y="2238421"/>
+              <a:off x="7668431" y="2237467"/>
               <a:ext cx="63202" cy="63202"/>
             </a:xfrm>
             <a:custGeom>
@@ -4707,7 +4707,7 @@
           </p:nvSpPr>
           <p:spPr>
             <a:xfrm>
-              <a:off x="8087282" y="2239254"/>
+              <a:off x="8379894" y="2238870"/>
               <a:ext cx="63202" cy="63202"/>
             </a:xfrm>
             <a:custGeom>
@@ -4750,7 +4750,7 @@
           </p:nvSpPr>
           <p:spPr>
             <a:xfrm>
-              <a:off x="8002199" y="2239860"/>
+              <a:off x="7623554" y="2236934"/>
               <a:ext cx="63202" cy="63202"/>
             </a:xfrm>
             <a:custGeom>
@@ -4793,7 +4793,7 @@
           </p:nvSpPr>
           <p:spPr>
             <a:xfrm>
-              <a:off x="8368267" y="4839297"/>
+              <a:off x="8139321" y="4840138"/>
               <a:ext cx="63202" cy="63202"/>
             </a:xfrm>
             <a:custGeom>
@@ -4836,7 +4836,7 @@
           </p:nvSpPr>
           <p:spPr>
             <a:xfrm>
-              <a:off x="7409731" y="4495751"/>
+              <a:off x="7440220" y="4497281"/>
               <a:ext cx="63202" cy="63202"/>
             </a:xfrm>
             <a:custGeom>
@@ -4879,7 +4879,7 @@
           </p:nvSpPr>
           <p:spPr>
             <a:xfrm>
-              <a:off x="7972746" y="2577828"/>
+              <a:off x="8186113" y="2577324"/>
               <a:ext cx="63202" cy="63202"/>
             </a:xfrm>
             <a:custGeom>
@@ -4922,7 +4922,7 @@
           </p:nvSpPr>
           <p:spPr>
             <a:xfrm>
-              <a:off x="8412659" y="3352324"/>
+              <a:off x="8390330" y="3353069"/>
               <a:ext cx="63202" cy="63202"/>
             </a:xfrm>
             <a:custGeom>
@@ -4965,7 +4965,7 @@
           </p:nvSpPr>
           <p:spPr>
             <a:xfrm>
-              <a:off x="7956818" y="3207359"/>
+              <a:off x="7573122" y="3205667"/>
               <a:ext cx="63202" cy="63202"/>
             </a:xfrm>
             <a:custGeom>
@@ -5008,7 +5008,7 @@
           </p:nvSpPr>
           <p:spPr>
             <a:xfrm>
-              <a:off x="8009169" y="4934839"/>
+              <a:off x="8281135" y="4933428"/>
               <a:ext cx="63202" cy="63202"/>
             </a:xfrm>
             <a:custGeom>
@@ -5051,7 +5051,7 @@
           </p:nvSpPr>
           <p:spPr>
             <a:xfrm>
-              <a:off x="7964628" y="4552505"/>
+              <a:off x="8140622" y="4554003"/>
               <a:ext cx="63202" cy="63202"/>
             </a:xfrm>
             <a:custGeom>
@@ -5094,7 +5094,7 @@
           </p:nvSpPr>
           <p:spPr>
             <a:xfrm>
-              <a:off x="8916168" y="5116702"/>
+              <a:off x="9549485" y="5117508"/>
               <a:ext cx="63202" cy="63202"/>
             </a:xfrm>
             <a:custGeom>
@@ -5137,7 +5137,7 @@
           </p:nvSpPr>
           <p:spPr>
             <a:xfrm>
-              <a:off x="8013491" y="2039725"/>
+              <a:off x="8215058" y="2038034"/>
               <a:ext cx="63202" cy="63202"/>
             </a:xfrm>
             <a:custGeom>
@@ -5180,7 +5180,7 @@
           </p:nvSpPr>
           <p:spPr>
             <a:xfrm>
-              <a:off x="8154864" y="3128222"/>
+              <a:off x="7422221" y="3127959"/>
               <a:ext cx="63202" cy="63202"/>
             </a:xfrm>
             <a:custGeom>
@@ -5223,7 +5223,7 @@
           </p:nvSpPr>
           <p:spPr>
             <a:xfrm>
-              <a:off x="7987250" y="3440449"/>
+              <a:off x="8004472" y="3440029"/>
               <a:ext cx="63202" cy="63202"/>
             </a:xfrm>
             <a:custGeom>
@@ -5266,7 +5266,7 @@
           </p:nvSpPr>
           <p:spPr>
             <a:xfrm>
-              <a:off x="7888483" y="4507103"/>
+              <a:off x="8338915" y="4505813"/>
               <a:ext cx="63202" cy="63202"/>
             </a:xfrm>
             <a:custGeom>
@@ -5309,7 +5309,7 @@
           </p:nvSpPr>
           <p:spPr>
             <a:xfrm>
-              <a:off x="7850418" y="2408132"/>
+              <a:off x="7923336" y="2406994"/>
               <a:ext cx="63202" cy="63202"/>
             </a:xfrm>
             <a:custGeom>
@@ -5352,7 +5352,7 @@
           </p:nvSpPr>
           <p:spPr>
             <a:xfrm>
-              <a:off x="7461004" y="2276467"/>
+              <a:off x="7449326" y="2274348"/>
               <a:ext cx="63202" cy="63202"/>
             </a:xfrm>
             <a:custGeom>
@@ -5395,7 +5395,7 @@
           </p:nvSpPr>
           <p:spPr>
             <a:xfrm>
-              <a:off x="7932079" y="3562880"/>
+              <a:off x="8204440" y="3563494"/>
               <a:ext cx="63202" cy="63202"/>
             </a:xfrm>
             <a:custGeom>
@@ -5438,7 +5438,7 @@
           </p:nvSpPr>
           <p:spPr>
             <a:xfrm>
-              <a:off x="7440401" y="4522605"/>
+              <a:off x="8369099" y="4523597"/>
               <a:ext cx="63202" cy="63202"/>
             </a:xfrm>
             <a:custGeom>
@@ -5481,7 +5481,7 @@
           </p:nvSpPr>
           <p:spPr>
             <a:xfrm>
-              <a:off x="8081614" y="2160719"/>
+              <a:off x="7954982" y="2159544"/>
               <a:ext cx="63202" cy="63202"/>
             </a:xfrm>
             <a:custGeom>
@@ -5524,7 +5524,7 @@
           </p:nvSpPr>
           <p:spPr>
             <a:xfrm>
-              <a:off x="8324346" y="2472745"/>
+              <a:off x="7572476" y="2471543"/>
               <a:ext cx="63202" cy="63202"/>
             </a:xfrm>
             <a:custGeom>
@@ -5567,7 +5567,7 @@
           </p:nvSpPr>
           <p:spPr>
             <a:xfrm>
-              <a:off x="7997073" y="2087318"/>
+              <a:off x="8112210" y="2086448"/>
               <a:ext cx="63202" cy="63202"/>
             </a:xfrm>
             <a:custGeom>
@@ -5610,7 +5610,7 @@
           </p:nvSpPr>
           <p:spPr>
             <a:xfrm>
-              <a:off x="7739584" y="2470563"/>
+              <a:off x="8322122" y="2469011"/>
               <a:ext cx="63202" cy="63202"/>
             </a:xfrm>
             <a:custGeom>
@@ -5653,7 +5653,7 @@
           </p:nvSpPr>
           <p:spPr>
             <a:xfrm>
-              <a:off x="8292056" y="2037386"/>
+              <a:off x="7866053" y="2035338"/>
               <a:ext cx="63202" cy="63202"/>
             </a:xfrm>
             <a:custGeom>
@@ -5696,7 +5696,7 @@
           </p:nvSpPr>
           <p:spPr>
             <a:xfrm>
-              <a:off x="8081916" y="2745646"/>
+              <a:off x="8112083" y="2744640"/>
               <a:ext cx="63202" cy="63202"/>
             </a:xfrm>
             <a:custGeom>
@@ -5739,7 +5739,7 @@
           </p:nvSpPr>
           <p:spPr>
             <a:xfrm>
-              <a:off x="8198014" y="1641734"/>
+              <a:off x="7737442" y="1641734"/>
               <a:ext cx="63202" cy="63202"/>
             </a:xfrm>
             <a:custGeom>
@@ -5782,7 +5782,7 @@
           </p:nvSpPr>
           <p:spPr>
             <a:xfrm>
-              <a:off x="8057550" y="3232859"/>
+              <a:off x="7975307" y="3233932"/>
               <a:ext cx="63202" cy="63202"/>
             </a:xfrm>
             <a:custGeom>
@@ -5825,7 +5825,7 @@
           </p:nvSpPr>
           <p:spPr>
             <a:xfrm>
-              <a:off x="7712748" y="2630301"/>
+              <a:off x="7845564" y="2629200"/>
               <a:ext cx="63202" cy="63202"/>
             </a:xfrm>
             <a:custGeom>
@@ -5868,7 +5868,7 @@
           </p:nvSpPr>
           <p:spPr>
             <a:xfrm>
-              <a:off x="8220699" y="2510821"/>
+              <a:off x="8070203" y="2509375"/>
               <a:ext cx="63202" cy="63202"/>
             </a:xfrm>
             <a:custGeom>
@@ -5911,7 +5911,7 @@
           </p:nvSpPr>
           <p:spPr>
             <a:xfrm>
-              <a:off x="8190388" y="2728611"/>
+              <a:off x="8110040" y="2727948"/>
               <a:ext cx="63202" cy="63202"/>
             </a:xfrm>
             <a:custGeom>
@@ -5954,7 +5954,7 @@
           </p:nvSpPr>
           <p:spPr>
             <a:xfrm>
-              <a:off x="8015358" y="3219179"/>
+              <a:off x="7657961" y="3219894"/>
               <a:ext cx="63202" cy="63202"/>
             </a:xfrm>
             <a:custGeom>
@@ -5997,7 +5997,7 @@
           </p:nvSpPr>
           <p:spPr>
             <a:xfrm>
-              <a:off x="8367212" y="2945951"/>
+              <a:off x="7984798" y="2944211"/>
               <a:ext cx="63202" cy="63202"/>
             </a:xfrm>
             <a:custGeom>
@@ -6040,7 +6040,7 @@
           </p:nvSpPr>
           <p:spPr>
             <a:xfrm>
-              <a:off x="8157908" y="3094688"/>
+              <a:off x="8411375" y="3093595"/>
               <a:ext cx="63202" cy="63202"/>
             </a:xfrm>
             <a:custGeom>
@@ -6083,7 +6083,7 @@
           </p:nvSpPr>
           <p:spPr>
             <a:xfrm>
-              <a:off x="8130907" y="3010203"/>
+              <a:off x="8106775" y="3009204"/>
               <a:ext cx="63202" cy="63202"/>
             </a:xfrm>
             <a:custGeom>
@@ -6126,7 +6126,7 @@
           </p:nvSpPr>
           <p:spPr>
             <a:xfrm>
-              <a:off x="8179787" y="3293734"/>
+              <a:off x="7914512" y="3294879"/>
               <a:ext cx="63202" cy="63202"/>
             </a:xfrm>
             <a:custGeom>
@@ -6169,7 +6169,7 @@
           </p:nvSpPr>
           <p:spPr>
             <a:xfrm>
-              <a:off x="8040727" y="3776287"/>
+              <a:off x="8128307" y="3776408"/>
               <a:ext cx="63202" cy="63202"/>
             </a:xfrm>
             <a:custGeom>
@@ -7001,7 +7001,7 @@
           </p:nvSpPr>
           <p:spPr>
             <a:xfrm>
-              <a:off x="1148183" y="6810219"/>
+              <a:off x="1148183" y="6811583"/>
               <a:ext cx="186466" cy="81691"/>
             </a:xfrm>
             <a:prstGeom prst="rect">
@@ -7047,7 +7047,7 @@
           </p:nvSpPr>
           <p:spPr>
             <a:xfrm>
-              <a:off x="1148183" y="5113689"/>
+              <a:off x="1148183" y="5113985"/>
               <a:ext cx="186466" cy="81691"/>
             </a:xfrm>
             <a:prstGeom prst="rect">
@@ -7093,7 +7093,7 @@
           </p:nvSpPr>
           <p:spPr>
             <a:xfrm>
-              <a:off x="1148183" y="3417160"/>
+              <a:off x="1148183" y="3416388"/>
               <a:ext cx="186466" cy="81691"/>
             </a:xfrm>
             <a:prstGeom prst="rect">
@@ -7139,7 +7139,7 @@
           </p:nvSpPr>
           <p:spPr>
             <a:xfrm>
-              <a:off x="1148183" y="1720630"/>
+              <a:off x="1148183" y="1718790"/>
               <a:ext cx="186466" cy="81691"/>
             </a:xfrm>
             <a:prstGeom prst="rect">
@@ -7185,7 +7185,7 @@
           </p:nvSpPr>
           <p:spPr>
             <a:xfrm>
-              <a:off x="1362485" y="6851911"/>
+              <a:off x="1362485" y="6853275"/>
               <a:ext cx="34794" cy="0"/>
             </a:xfrm>
             <a:custGeom>
@@ -7225,7 +7225,7 @@
           </p:nvSpPr>
           <p:spPr>
             <a:xfrm>
-              <a:off x="1362485" y="5155381"/>
+              <a:off x="1362485" y="5155677"/>
               <a:ext cx="34794" cy="0"/>
             </a:xfrm>
             <a:custGeom>
@@ -7265,7 +7265,7 @@
           </p:nvSpPr>
           <p:spPr>
             <a:xfrm>
-              <a:off x="1362485" y="3458851"/>
+              <a:off x="1362485" y="3458079"/>
               <a:ext cx="34794" cy="0"/>
             </a:xfrm>
             <a:custGeom>
@@ -7305,7 +7305,7 @@
           </p:nvSpPr>
           <p:spPr>
             <a:xfrm>
-              <a:off x="1362485" y="1762322"/>
+              <a:off x="1362485" y="1760482"/>
               <a:ext cx="34794" cy="0"/>
             </a:xfrm>
             <a:custGeom>

--- a/Images/Figures_PPT/Jitter_Plot_SIN1_All.pptx
+++ b/Images/Figures_PPT/Jitter_Plot_SIN1_All.pptx
@@ -2359,7 +2359,7 @@
           </p:nvSpPr>
           <p:spPr>
             <a:xfrm>
-              <a:off x="1397280" y="6004476"/>
+              <a:off x="1397280" y="6004414"/>
               <a:ext cx="2817450" cy="0"/>
             </a:xfrm>
             <a:custGeom>
@@ -2402,7 +2402,7 @@
           </p:nvSpPr>
           <p:spPr>
             <a:xfrm>
-              <a:off x="1397280" y="4306878"/>
+              <a:off x="1397280" y="4306883"/>
               <a:ext cx="2817450" cy="0"/>
             </a:xfrm>
             <a:custGeom>
@@ -2445,7 +2445,7 @@
           </p:nvSpPr>
           <p:spPr>
             <a:xfrm>
-              <a:off x="1397280" y="2609280"/>
+              <a:off x="1397280" y="2609352"/>
               <a:ext cx="2817450" cy="0"/>
             </a:xfrm>
             <a:custGeom>
@@ -2488,7 +2488,7 @@
           </p:nvSpPr>
           <p:spPr>
             <a:xfrm>
-              <a:off x="1397280" y="6853275"/>
+              <a:off x="1397280" y="6853180"/>
               <a:ext cx="2817450" cy="0"/>
             </a:xfrm>
             <a:custGeom>
@@ -2531,7 +2531,7 @@
           </p:nvSpPr>
           <p:spPr>
             <a:xfrm>
-              <a:off x="1397280" y="5155677"/>
+              <a:off x="1397280" y="5155649"/>
               <a:ext cx="2817450" cy="0"/>
             </a:xfrm>
             <a:custGeom>
@@ -2574,7 +2574,7 @@
           </p:nvSpPr>
           <p:spPr>
             <a:xfrm>
-              <a:off x="1397280" y="3458079"/>
+              <a:off x="1397280" y="3458118"/>
               <a:ext cx="2817450" cy="0"/>
             </a:xfrm>
             <a:custGeom>
@@ -2617,7 +2617,7 @@
           </p:nvSpPr>
           <p:spPr>
             <a:xfrm>
-              <a:off x="1397280" y="1760482"/>
+              <a:off x="1397280" y="1760587"/>
               <a:ext cx="2817450" cy="0"/>
             </a:xfrm>
             <a:custGeom>
@@ -2746,7 +2746,7 @@
           </p:nvSpPr>
           <p:spPr>
             <a:xfrm>
-              <a:off x="2041024" y="3300468"/>
+              <a:off x="2310555" y="3300711"/>
               <a:ext cx="63202" cy="63202"/>
             </a:xfrm>
             <a:custGeom>
@@ -2789,7 +2789,7 @@
           </p:nvSpPr>
           <p:spPr>
             <a:xfrm>
-              <a:off x="2185205" y="3301961"/>
+              <a:off x="1794720" y="3300284"/>
               <a:ext cx="63202" cy="63202"/>
             </a:xfrm>
             <a:custGeom>
@@ -2832,7 +2832,7 @@
           </p:nvSpPr>
           <p:spPr>
             <a:xfrm>
-              <a:off x="2259854" y="3894932"/>
+              <a:off x="1972722" y="3895452"/>
               <a:ext cx="63202" cy="63202"/>
             </a:xfrm>
             <a:custGeom>
@@ -2875,7 +2875,7 @@
           </p:nvSpPr>
           <p:spPr>
             <a:xfrm>
-              <a:off x="1933873" y="3317689"/>
+              <a:off x="2124394" y="3316707"/>
               <a:ext cx="63202" cy="63202"/>
             </a:xfrm>
             <a:custGeom>
@@ -2918,7 +2918,7 @@
           </p:nvSpPr>
           <p:spPr>
             <a:xfrm>
-              <a:off x="2539843" y="3752351"/>
+              <a:off x="2483566" y="3752154"/>
               <a:ext cx="63202" cy="63202"/>
             </a:xfrm>
             <a:custGeom>
@@ -2961,7 +2961,7 @@
           </p:nvSpPr>
           <p:spPr>
             <a:xfrm>
-              <a:off x="2604386" y="3700289"/>
+              <a:off x="2513795" y="3702859"/>
               <a:ext cx="63202" cy="63202"/>
             </a:xfrm>
             <a:custGeom>
@@ -3060,7 +3060,7 @@
           </p:nvSpPr>
           <p:spPr>
             <a:xfrm>
-              <a:off x="4284320" y="6004476"/>
+              <a:off x="4284320" y="6004414"/>
               <a:ext cx="2817450" cy="0"/>
             </a:xfrm>
             <a:custGeom>
@@ -3103,7 +3103,7 @@
           </p:nvSpPr>
           <p:spPr>
             <a:xfrm>
-              <a:off x="4284320" y="4306878"/>
+              <a:off x="4284320" y="4306883"/>
               <a:ext cx="2817450" cy="0"/>
             </a:xfrm>
             <a:custGeom>
@@ -3146,7 +3146,7 @@
           </p:nvSpPr>
           <p:spPr>
             <a:xfrm>
-              <a:off x="4284320" y="2609280"/>
+              <a:off x="4284320" y="2609352"/>
               <a:ext cx="2817450" cy="0"/>
             </a:xfrm>
             <a:custGeom>
@@ -3189,7 +3189,7 @@
           </p:nvSpPr>
           <p:spPr>
             <a:xfrm>
-              <a:off x="4284320" y="6853275"/>
+              <a:off x="4284320" y="6853180"/>
               <a:ext cx="2817450" cy="0"/>
             </a:xfrm>
             <a:custGeom>
@@ -3232,7 +3232,7 @@
           </p:nvSpPr>
           <p:spPr>
             <a:xfrm>
-              <a:off x="4284320" y="5155677"/>
+              <a:off x="4284320" y="5155649"/>
               <a:ext cx="2817450" cy="0"/>
             </a:xfrm>
             <a:custGeom>
@@ -3275,7 +3275,7 @@
           </p:nvSpPr>
           <p:spPr>
             <a:xfrm>
-              <a:off x="4284320" y="3458079"/>
+              <a:off x="4284320" y="3458118"/>
               <a:ext cx="2817450" cy="0"/>
             </a:xfrm>
             <a:custGeom>
@@ -3318,7 +3318,7 @@
           </p:nvSpPr>
           <p:spPr>
             <a:xfrm>
-              <a:off x="4284320" y="1760482"/>
+              <a:off x="4284320" y="1760587"/>
               <a:ext cx="2817450" cy="0"/>
             </a:xfrm>
             <a:custGeom>
@@ -3447,7 +3447,7 @@
           </p:nvSpPr>
           <p:spPr>
             <a:xfrm>
-              <a:off x="5972350" y="6021112"/>
+              <a:off x="6673178" y="6020112"/>
               <a:ext cx="63202" cy="63202"/>
             </a:xfrm>
             <a:custGeom>
@@ -3490,7 +3490,7 @@
           </p:nvSpPr>
           <p:spPr>
             <a:xfrm>
-              <a:off x="6652882" y="5686755"/>
+              <a:off x="5848160" y="5687279"/>
               <a:ext cx="63202" cy="63202"/>
             </a:xfrm>
             <a:custGeom>
@@ -3589,7 +3589,7 @@
           </p:nvSpPr>
           <p:spPr>
             <a:xfrm>
-              <a:off x="7171360" y="6004476"/>
+              <a:off x="7171360" y="6004414"/>
               <a:ext cx="2817450" cy="0"/>
             </a:xfrm>
             <a:custGeom>
@@ -3632,7 +3632,7 @@
           </p:nvSpPr>
           <p:spPr>
             <a:xfrm>
-              <a:off x="7171360" y="4306878"/>
+              <a:off x="7171360" y="4306883"/>
               <a:ext cx="2817450" cy="0"/>
             </a:xfrm>
             <a:custGeom>
@@ -3675,7 +3675,7 @@
           </p:nvSpPr>
           <p:spPr>
             <a:xfrm>
-              <a:off x="7171360" y="2609280"/>
+              <a:off x="7171360" y="2609352"/>
               <a:ext cx="2817450" cy="0"/>
             </a:xfrm>
             <a:custGeom>
@@ -3718,7 +3718,7 @@
           </p:nvSpPr>
           <p:spPr>
             <a:xfrm>
-              <a:off x="7171360" y="6853275"/>
+              <a:off x="7171360" y="6853180"/>
               <a:ext cx="2817450" cy="0"/>
             </a:xfrm>
             <a:custGeom>
@@ -3761,7 +3761,7 @@
           </p:nvSpPr>
           <p:spPr>
             <a:xfrm>
-              <a:off x="7171360" y="5155677"/>
+              <a:off x="7171360" y="5155649"/>
               <a:ext cx="2817450" cy="0"/>
             </a:xfrm>
             <a:custGeom>
@@ -3804,7 +3804,7 @@
           </p:nvSpPr>
           <p:spPr>
             <a:xfrm>
-              <a:off x="7171360" y="3458079"/>
+              <a:off x="7171360" y="3458118"/>
               <a:ext cx="2817450" cy="0"/>
             </a:xfrm>
             <a:custGeom>
@@ -3847,7 +3847,7 @@
           </p:nvSpPr>
           <p:spPr>
             <a:xfrm>
-              <a:off x="7171360" y="1760482"/>
+              <a:off x="7171360" y="1760587"/>
               <a:ext cx="2817450" cy="0"/>
             </a:xfrm>
             <a:custGeom>
@@ -3976,7 +3976,7 @@
           </p:nvSpPr>
           <p:spPr>
             <a:xfrm>
-              <a:off x="8106489" y="2978023"/>
+              <a:off x="7668957" y="2977930"/>
               <a:ext cx="63202" cy="63202"/>
             </a:xfrm>
             <a:custGeom>
@@ -4019,7 +4019,7 @@
           </p:nvSpPr>
           <p:spPr>
             <a:xfrm>
-              <a:off x="7693078" y="3245510"/>
+              <a:off x="8085176" y="3246619"/>
               <a:ext cx="63202" cy="63202"/>
             </a:xfrm>
             <a:custGeom>
@@ -4062,7 +4062,7 @@
           </p:nvSpPr>
           <p:spPr>
             <a:xfrm>
-              <a:off x="9301986" y="6634049"/>
+              <a:off x="9447875" y="6634049"/>
               <a:ext cx="63202" cy="63202"/>
             </a:xfrm>
             <a:custGeom>
@@ -4105,7 +4105,7 @@
           </p:nvSpPr>
           <p:spPr>
             <a:xfrm>
-              <a:off x="9039909" y="6463830"/>
+              <a:off x="8677167" y="6465058"/>
               <a:ext cx="63202" cy="63202"/>
             </a:xfrm>
             <a:custGeom>
@@ -4148,7 +4148,7 @@
           </p:nvSpPr>
           <p:spPr>
             <a:xfrm>
-              <a:off x="8978856" y="5160137"/>
+              <a:off x="9392598" y="5162190"/>
               <a:ext cx="63202" cy="63202"/>
             </a:xfrm>
             <a:custGeom>
@@ -4191,7 +4191,7 @@
           </p:nvSpPr>
           <p:spPr>
             <a:xfrm>
-              <a:off x="7733592" y="3423657"/>
+              <a:off x="8271657" y="3422843"/>
               <a:ext cx="63202" cy="63202"/>
             </a:xfrm>
             <a:custGeom>
@@ -4234,7 +4234,7 @@
           </p:nvSpPr>
           <p:spPr>
             <a:xfrm>
-              <a:off x="9529016" y="6145810"/>
+              <a:off x="9217096" y="6146953"/>
               <a:ext cx="63202" cy="63202"/>
             </a:xfrm>
             <a:custGeom>
@@ -4277,7 +4277,7 @@
           </p:nvSpPr>
           <p:spPr>
             <a:xfrm>
-              <a:off x="9190873" y="5781978"/>
+              <a:off x="9600577" y="5783355"/>
               <a:ext cx="63202" cy="63202"/>
             </a:xfrm>
             <a:custGeom>
@@ -4320,7 +4320,7 @@
           </p:nvSpPr>
           <p:spPr>
             <a:xfrm>
-              <a:off x="8125606" y="4653322"/>
+              <a:off x="7837103" y="4651343"/>
               <a:ext cx="63202" cy="63202"/>
             </a:xfrm>
             <a:custGeom>
@@ -4363,7 +4363,7 @@
           </p:nvSpPr>
           <p:spPr>
             <a:xfrm>
-              <a:off x="8155489" y="2277814"/>
+              <a:off x="7923425" y="2278006"/>
               <a:ext cx="63202" cy="63202"/>
             </a:xfrm>
             <a:custGeom>
@@ -4406,7 +4406,7 @@
           </p:nvSpPr>
           <p:spPr>
             <a:xfrm>
-              <a:off x="8248964" y="2879575"/>
+              <a:off x="7560427" y="2880993"/>
               <a:ext cx="63202" cy="63202"/>
             </a:xfrm>
             <a:custGeom>
@@ -4449,7 +4449,7 @@
           </p:nvSpPr>
           <p:spPr>
             <a:xfrm>
-              <a:off x="8406893" y="2466156"/>
+              <a:off x="7473923" y="2464701"/>
               <a:ext cx="63202" cy="63202"/>
             </a:xfrm>
             <a:custGeom>
@@ -4492,7 +4492,7 @@
           </p:nvSpPr>
           <p:spPr>
             <a:xfrm>
-              <a:off x="8063118" y="4716797"/>
+              <a:off x="7566179" y="4716546"/>
               <a:ext cx="63202" cy="63202"/>
             </a:xfrm>
             <a:custGeom>
@@ -4535,7 +4535,7 @@
           </p:nvSpPr>
           <p:spPr>
             <a:xfrm>
-              <a:off x="7726260" y="2577169"/>
+              <a:off x="7840061" y="2579071"/>
               <a:ext cx="63202" cy="63202"/>
             </a:xfrm>
             <a:custGeom>
@@ -4578,7 +4578,7 @@
           </p:nvSpPr>
           <p:spPr>
             <a:xfrm>
-              <a:off x="7749072" y="2238609"/>
+              <a:off x="8384255" y="2237406"/>
               <a:ext cx="63202" cy="63202"/>
             </a:xfrm>
             <a:custGeom>
@@ -4621,7 +4621,7 @@
           </p:nvSpPr>
           <p:spPr>
             <a:xfrm>
-              <a:off x="7460418" y="2236809"/>
+              <a:off x="8245099" y="2238724"/>
               <a:ext cx="63202" cy="63202"/>
             </a:xfrm>
             <a:custGeom>
@@ -4664,7 +4664,7 @@
           </p:nvSpPr>
           <p:spPr>
             <a:xfrm>
-              <a:off x="7668431" y="2237467"/>
+              <a:off x="8225893" y="2238065"/>
               <a:ext cx="63202" cy="63202"/>
             </a:xfrm>
             <a:custGeom>
@@ -4707,7 +4707,7 @@
           </p:nvSpPr>
           <p:spPr>
             <a:xfrm>
-              <a:off x="8379894" y="2238870"/>
+              <a:off x="7798099" y="2239439"/>
               <a:ext cx="63202" cy="63202"/>
             </a:xfrm>
             <a:custGeom>
@@ -4750,7 +4750,7 @@
           </p:nvSpPr>
           <p:spPr>
             <a:xfrm>
-              <a:off x="7623554" y="2236934"/>
+              <a:off x="7813037" y="2238800"/>
               <a:ext cx="63202" cy="63202"/>
             </a:xfrm>
             <a:custGeom>
@@ -4793,7 +4793,7 @@
           </p:nvSpPr>
           <p:spPr>
             <a:xfrm>
-              <a:off x="8139321" y="4840138"/>
+              <a:off x="8393056" y="4839135"/>
               <a:ext cx="63202" cy="63202"/>
             </a:xfrm>
             <a:custGeom>
@@ -4836,7 +4836,7 @@
           </p:nvSpPr>
           <p:spPr>
             <a:xfrm>
-              <a:off x="7440220" y="4497281"/>
+              <a:off x="7693257" y="4496391"/>
               <a:ext cx="63202" cy="63202"/>
             </a:xfrm>
             <a:custGeom>
@@ -4879,7 +4879,7 @@
           </p:nvSpPr>
           <p:spPr>
             <a:xfrm>
-              <a:off x="8186113" y="2577324"/>
+              <a:off x="8144707" y="2577177"/>
               <a:ext cx="63202" cy="63202"/>
             </a:xfrm>
             <a:custGeom>
@@ -4922,7 +4922,7 @@
           </p:nvSpPr>
           <p:spPr>
             <a:xfrm>
-              <a:off x="8390330" y="3353069"/>
+              <a:off x="7835811" y="3350639"/>
               <a:ext cx="63202" cy="63202"/>
             </a:xfrm>
             <a:custGeom>
@@ -4965,7 +4965,7 @@
           </p:nvSpPr>
           <p:spPr>
             <a:xfrm>
-              <a:off x="7573122" y="3205667"/>
+              <a:off x="7592231" y="3205109"/>
               <a:ext cx="63202" cy="63202"/>
             </a:xfrm>
             <a:custGeom>
@@ -5008,7 +5008,7 @@
           </p:nvSpPr>
           <p:spPr>
             <a:xfrm>
-              <a:off x="8281135" y="4933428"/>
+              <a:off x="7811997" y="4934310"/>
               <a:ext cx="63202" cy="63202"/>
             </a:xfrm>
             <a:custGeom>
@@ -5051,7 +5051,7 @@
           </p:nvSpPr>
           <p:spPr>
             <a:xfrm>
-              <a:off x="8140622" y="4554003"/>
+              <a:off x="8101442" y="4552350"/>
               <a:ext cx="63202" cy="63202"/>
             </a:xfrm>
             <a:custGeom>
@@ -5094,7 +5094,7 @@
           </p:nvSpPr>
           <p:spPr>
             <a:xfrm>
-              <a:off x="9549485" y="5117508"/>
+              <a:off x="9593766" y="5117733"/>
               <a:ext cx="63202" cy="63202"/>
             </a:xfrm>
             <a:custGeom>
@@ -5137,7 +5137,7 @@
           </p:nvSpPr>
           <p:spPr>
             <a:xfrm>
-              <a:off x="8215058" y="2038034"/>
+              <a:off x="7714590" y="2037017"/>
               <a:ext cx="63202" cy="63202"/>
             </a:xfrm>
             <a:custGeom>
@@ -5180,7 +5180,7 @@
           </p:nvSpPr>
           <p:spPr>
             <a:xfrm>
-              <a:off x="7422221" y="3127959"/>
+              <a:off x="7951876" y="3127017"/>
               <a:ext cx="63202" cy="63202"/>
             </a:xfrm>
             <a:custGeom>
@@ -5223,7 +5223,7 @@
           </p:nvSpPr>
           <p:spPr>
             <a:xfrm>
-              <a:off x="8004472" y="3440029"/>
+              <a:off x="7743907" y="3438929"/>
               <a:ext cx="63202" cy="63202"/>
             </a:xfrm>
             <a:custGeom>
@@ -5266,7 +5266,7 @@
           </p:nvSpPr>
           <p:spPr>
             <a:xfrm>
-              <a:off x="8338915" y="4505813"/>
+              <a:off x="8190412" y="4506005"/>
               <a:ext cx="63202" cy="63202"/>
             </a:xfrm>
             <a:custGeom>
@@ -5309,7 +5309,7 @@
           </p:nvSpPr>
           <p:spPr>
             <a:xfrm>
-              <a:off x="7923336" y="2406994"/>
+              <a:off x="8194758" y="2407200"/>
               <a:ext cx="63202" cy="63202"/>
             </a:xfrm>
             <a:custGeom>
@@ -5352,7 +5352,7 @@
           </p:nvSpPr>
           <p:spPr>
             <a:xfrm>
-              <a:off x="7449326" y="2274348"/>
+              <a:off x="8156697" y="2274848"/>
               <a:ext cx="63202" cy="63202"/>
             </a:xfrm>
             <a:custGeom>
@@ -5395,7 +5395,7 @@
           </p:nvSpPr>
           <p:spPr>
             <a:xfrm>
-              <a:off x="8204440" y="3563494"/>
+              <a:off x="8099195" y="3562355"/>
               <a:ext cx="63202" cy="63202"/>
             </a:xfrm>
             <a:custGeom>
@@ -5438,7 +5438,7 @@
           </p:nvSpPr>
           <p:spPr>
             <a:xfrm>
-              <a:off x="8369099" y="4523597"/>
+              <a:off x="8040879" y="4522726"/>
               <a:ext cx="63202" cy="63202"/>
             </a:xfrm>
             <a:custGeom>
@@ -5481,7 +5481,7 @@
           </p:nvSpPr>
           <p:spPr>
             <a:xfrm>
-              <a:off x="7954982" y="2159544"/>
+              <a:off x="8084691" y="2159613"/>
               <a:ext cx="63202" cy="63202"/>
             </a:xfrm>
             <a:custGeom>
@@ -5524,7 +5524,7 @@
           </p:nvSpPr>
           <p:spPr>
             <a:xfrm>
-              <a:off x="7572476" y="2471543"/>
+              <a:off x="8033659" y="2471993"/>
               <a:ext cx="63202" cy="63202"/>
             </a:xfrm>
             <a:custGeom>
@@ -5567,7 +5567,7 @@
           </p:nvSpPr>
           <p:spPr>
             <a:xfrm>
-              <a:off x="8112210" y="2086448"/>
+              <a:off x="7771213" y="2085268"/>
               <a:ext cx="63202" cy="63202"/>
             </a:xfrm>
             <a:custGeom>
@@ -5610,7 +5610,7 @@
           </p:nvSpPr>
           <p:spPr>
             <a:xfrm>
-              <a:off x="8322122" y="2469011"/>
+              <a:off x="7661223" y="2469518"/>
               <a:ext cx="63202" cy="63202"/>
             </a:xfrm>
             <a:custGeom>
@@ -5653,7 +5653,7 @@
           </p:nvSpPr>
           <p:spPr>
             <a:xfrm>
-              <a:off x="7866053" y="2035338"/>
+              <a:off x="7962623" y="2034750"/>
               <a:ext cx="63202" cy="63202"/>
             </a:xfrm>
             <a:custGeom>
@@ -5696,7 +5696,7 @@
           </p:nvSpPr>
           <p:spPr>
             <a:xfrm>
-              <a:off x="8112083" y="2744640"/>
+              <a:off x="7419121" y="2743431"/>
               <a:ext cx="63202" cy="63202"/>
             </a:xfrm>
             <a:custGeom>
@@ -5739,7 +5739,7 @@
           </p:nvSpPr>
           <p:spPr>
             <a:xfrm>
-              <a:off x="7737442" y="1641734"/>
+              <a:off x="7995468" y="1641734"/>
               <a:ext cx="63202" cy="63202"/>
             </a:xfrm>
             <a:custGeom>
@@ -5782,7 +5782,7 @@
           </p:nvSpPr>
           <p:spPr>
             <a:xfrm>
-              <a:off x="7975307" y="3233932"/>
+              <a:off x="8078994" y="3233954"/>
               <a:ext cx="63202" cy="63202"/>
             </a:xfrm>
             <a:custGeom>
@@ -5825,7 +5825,7 @@
           </p:nvSpPr>
           <p:spPr>
             <a:xfrm>
-              <a:off x="7845564" y="2629200"/>
+              <a:off x="8114337" y="2628402"/>
               <a:ext cx="63202" cy="63202"/>
             </a:xfrm>
             <a:custGeom>
@@ -5868,7 +5868,7 @@
           </p:nvSpPr>
           <p:spPr>
             <a:xfrm>
-              <a:off x="8070203" y="2509375"/>
+              <a:off x="8375137" y="2510878"/>
               <a:ext cx="63202" cy="63202"/>
             </a:xfrm>
             <a:custGeom>
@@ -5911,7 +5911,7 @@
           </p:nvSpPr>
           <p:spPr>
             <a:xfrm>
-              <a:off x="8110040" y="2727948"/>
+              <a:off x="7861053" y="2727439"/>
               <a:ext cx="63202" cy="63202"/>
             </a:xfrm>
             <a:custGeom>
@@ -5954,7 +5954,7 @@
           </p:nvSpPr>
           <p:spPr>
             <a:xfrm>
-              <a:off x="7657961" y="3219894"/>
+              <a:off x="7599702" y="3219145"/>
               <a:ext cx="63202" cy="63202"/>
             </a:xfrm>
             <a:custGeom>
@@ -5997,7 +5997,7 @@
           </p:nvSpPr>
           <p:spPr>
             <a:xfrm>
-              <a:off x="7984798" y="2944211"/>
+              <a:off x="7666944" y="2943752"/>
               <a:ext cx="63202" cy="63202"/>
             </a:xfrm>
             <a:custGeom>
@@ -6040,7 +6040,7 @@
           </p:nvSpPr>
           <p:spPr>
             <a:xfrm>
-              <a:off x="8411375" y="3093595"/>
+              <a:off x="7836677" y="3093564"/>
               <a:ext cx="63202" cy="63202"/>
             </a:xfrm>
             <a:custGeom>
@@ -6083,7 +6083,7 @@
           </p:nvSpPr>
           <p:spPr>
             <a:xfrm>
-              <a:off x="8106775" y="3009204"/>
+              <a:off x="8004063" y="3009746"/>
               <a:ext cx="63202" cy="63202"/>
             </a:xfrm>
             <a:custGeom>
@@ -6126,7 +6126,7 @@
           </p:nvSpPr>
           <p:spPr>
             <a:xfrm>
-              <a:off x="7914512" y="3294879"/>
+              <a:off x="8174251" y="3294460"/>
               <a:ext cx="63202" cy="63202"/>
             </a:xfrm>
             <a:custGeom>
@@ -6169,7 +6169,7 @@
           </p:nvSpPr>
           <p:spPr>
             <a:xfrm>
-              <a:off x="8128307" y="3776408"/>
+              <a:off x="7482081" y="3775498"/>
               <a:ext cx="63202" cy="63202"/>
             </a:xfrm>
             <a:custGeom>
@@ -7001,7 +7001,7 @@
           </p:nvSpPr>
           <p:spPr>
             <a:xfrm>
-              <a:off x="1148183" y="6811583"/>
+              <a:off x="1148183" y="6811488"/>
               <a:ext cx="186466" cy="81691"/>
             </a:xfrm>
             <a:prstGeom prst="rect">
@@ -7047,7 +7047,7 @@
           </p:nvSpPr>
           <p:spPr>
             <a:xfrm>
-              <a:off x="1148183" y="5113985"/>
+              <a:off x="1148183" y="5113957"/>
               <a:ext cx="186466" cy="81691"/>
             </a:xfrm>
             <a:prstGeom prst="rect">
@@ -7093,7 +7093,7 @@
           </p:nvSpPr>
           <p:spPr>
             <a:xfrm>
-              <a:off x="1148183" y="3416388"/>
+              <a:off x="1148183" y="3416426"/>
               <a:ext cx="186466" cy="81691"/>
             </a:xfrm>
             <a:prstGeom prst="rect">
@@ -7139,7 +7139,7 @@
           </p:nvSpPr>
           <p:spPr>
             <a:xfrm>
-              <a:off x="1148183" y="1718790"/>
+              <a:off x="1148183" y="1718895"/>
               <a:ext cx="186466" cy="81691"/>
             </a:xfrm>
             <a:prstGeom prst="rect">
@@ -7185,7 +7185,7 @@
           </p:nvSpPr>
           <p:spPr>
             <a:xfrm>
-              <a:off x="1362485" y="6853275"/>
+              <a:off x="1362485" y="6853180"/>
               <a:ext cx="34794" cy="0"/>
             </a:xfrm>
             <a:custGeom>
@@ -7225,7 +7225,7 @@
           </p:nvSpPr>
           <p:spPr>
             <a:xfrm>
-              <a:off x="1362485" y="5155677"/>
+              <a:off x="1362485" y="5155649"/>
               <a:ext cx="34794" cy="0"/>
             </a:xfrm>
             <a:custGeom>
@@ -7265,7 +7265,7 @@
           </p:nvSpPr>
           <p:spPr>
             <a:xfrm>
-              <a:off x="1362485" y="3458079"/>
+              <a:off x="1362485" y="3458118"/>
               <a:ext cx="34794" cy="0"/>
             </a:xfrm>
             <a:custGeom>
@@ -7305,7 +7305,7 @@
           </p:nvSpPr>
           <p:spPr>
             <a:xfrm>
-              <a:off x="1362485" y="1760482"/>
+              <a:off x="1362485" y="1760587"/>
               <a:ext cx="34794" cy="0"/>
             </a:xfrm>
             <a:custGeom>

--- a/Images/Figures_PPT/Jitter_Plot_SIN1_All.pptx
+++ b/Images/Figures_PPT/Jitter_Plot_SIN1_All.pptx
@@ -2359,7 +2359,7 @@
           </p:nvSpPr>
           <p:spPr>
             <a:xfrm>
-              <a:off x="1397280" y="6004414"/>
+              <a:off x="1397280" y="6003680"/>
               <a:ext cx="2817450" cy="0"/>
             </a:xfrm>
             <a:custGeom>
@@ -2402,7 +2402,7 @@
           </p:nvSpPr>
           <p:spPr>
             <a:xfrm>
-              <a:off x="1397280" y="4306883"/>
+              <a:off x="1397280" y="4306410"/>
               <a:ext cx="2817450" cy="0"/>
             </a:xfrm>
             <a:custGeom>
@@ -2445,7 +2445,7 @@
           </p:nvSpPr>
           <p:spPr>
             <a:xfrm>
-              <a:off x="1397280" y="2609352"/>
+              <a:off x="1397280" y="2609140"/>
               <a:ext cx="2817450" cy="0"/>
             </a:xfrm>
             <a:custGeom>
@@ -2488,7 +2488,7 @@
           </p:nvSpPr>
           <p:spPr>
             <a:xfrm>
-              <a:off x="1397280" y="6853180"/>
+              <a:off x="1397280" y="6852315"/>
               <a:ext cx="2817450" cy="0"/>
             </a:xfrm>
             <a:custGeom>
@@ -2531,7 +2531,7 @@
           </p:nvSpPr>
           <p:spPr>
             <a:xfrm>
-              <a:off x="1397280" y="5155649"/>
+              <a:off x="1397280" y="5155045"/>
               <a:ext cx="2817450" cy="0"/>
             </a:xfrm>
             <a:custGeom>
@@ -2574,7 +2574,7 @@
           </p:nvSpPr>
           <p:spPr>
             <a:xfrm>
-              <a:off x="1397280" y="3458118"/>
+              <a:off x="1397280" y="3457775"/>
               <a:ext cx="2817450" cy="0"/>
             </a:xfrm>
             <a:custGeom>
@@ -2617,7 +2617,7 @@
           </p:nvSpPr>
           <p:spPr>
             <a:xfrm>
-              <a:off x="1397280" y="1760587"/>
+              <a:off x="1397280" y="1760506"/>
               <a:ext cx="2817450" cy="0"/>
             </a:xfrm>
             <a:custGeom>
@@ -2746,7 +2746,7 @@
           </p:nvSpPr>
           <p:spPr>
             <a:xfrm>
-              <a:off x="2310555" y="3300711"/>
+              <a:off x="1932875" y="3301819"/>
               <a:ext cx="63202" cy="63202"/>
             </a:xfrm>
             <a:custGeom>
@@ -2789,7 +2789,7 @@
           </p:nvSpPr>
           <p:spPr>
             <a:xfrm>
-              <a:off x="1794720" y="3300284"/>
+              <a:off x="2608002" y="3300431"/>
               <a:ext cx="63202" cy="63202"/>
             </a:xfrm>
             <a:custGeom>
@@ -2832,7 +2832,7 @@
           </p:nvSpPr>
           <p:spPr>
             <a:xfrm>
-              <a:off x="1972722" y="3895452"/>
+              <a:off x="2083530" y="3894825"/>
               <a:ext cx="63202" cy="63202"/>
             </a:xfrm>
             <a:custGeom>
@@ -2875,7 +2875,7 @@
           </p:nvSpPr>
           <p:spPr>
             <a:xfrm>
-              <a:off x="2124394" y="3316707"/>
+              <a:off x="2043895" y="3318462"/>
               <a:ext cx="63202" cy="63202"/>
             </a:xfrm>
             <a:custGeom>
@@ -2918,7 +2918,7 @@
           </p:nvSpPr>
           <p:spPr>
             <a:xfrm>
-              <a:off x="2483566" y="3752154"/>
+              <a:off x="2583759" y="3751775"/>
               <a:ext cx="63202" cy="63202"/>
             </a:xfrm>
             <a:custGeom>
@@ -2961,7 +2961,7 @@
           </p:nvSpPr>
           <p:spPr>
             <a:xfrm>
-              <a:off x="2513795" y="3702859"/>
+              <a:off x="2300918" y="3701386"/>
               <a:ext cx="63202" cy="63202"/>
             </a:xfrm>
             <a:custGeom>
@@ -3060,7 +3060,7 @@
           </p:nvSpPr>
           <p:spPr>
             <a:xfrm>
-              <a:off x="4284320" y="6004414"/>
+              <a:off x="4284320" y="6003680"/>
               <a:ext cx="2817450" cy="0"/>
             </a:xfrm>
             <a:custGeom>
@@ -3103,7 +3103,7 @@
           </p:nvSpPr>
           <p:spPr>
             <a:xfrm>
-              <a:off x="4284320" y="4306883"/>
+              <a:off x="4284320" y="4306410"/>
               <a:ext cx="2817450" cy="0"/>
             </a:xfrm>
             <a:custGeom>
@@ -3146,7 +3146,7 @@
           </p:nvSpPr>
           <p:spPr>
             <a:xfrm>
-              <a:off x="4284320" y="2609352"/>
+              <a:off x="4284320" y="2609140"/>
               <a:ext cx="2817450" cy="0"/>
             </a:xfrm>
             <a:custGeom>
@@ -3189,7 +3189,7 @@
           </p:nvSpPr>
           <p:spPr>
             <a:xfrm>
-              <a:off x="4284320" y="6853180"/>
+              <a:off x="4284320" y="6852315"/>
               <a:ext cx="2817450" cy="0"/>
             </a:xfrm>
             <a:custGeom>
@@ -3232,7 +3232,7 @@
           </p:nvSpPr>
           <p:spPr>
             <a:xfrm>
-              <a:off x="4284320" y="5155649"/>
+              <a:off x="4284320" y="5155045"/>
               <a:ext cx="2817450" cy="0"/>
             </a:xfrm>
             <a:custGeom>
@@ -3275,7 +3275,7 @@
           </p:nvSpPr>
           <p:spPr>
             <a:xfrm>
-              <a:off x="4284320" y="3458118"/>
+              <a:off x="4284320" y="3457775"/>
               <a:ext cx="2817450" cy="0"/>
             </a:xfrm>
             <a:custGeom>
@@ -3318,7 +3318,7 @@
           </p:nvSpPr>
           <p:spPr>
             <a:xfrm>
-              <a:off x="4284320" y="1760587"/>
+              <a:off x="4284320" y="1760506"/>
               <a:ext cx="2817450" cy="0"/>
             </a:xfrm>
             <a:custGeom>
@@ -3447,7 +3447,7 @@
           </p:nvSpPr>
           <p:spPr>
             <a:xfrm>
-              <a:off x="6673178" y="6020112"/>
+              <a:off x="6655797" y="6018699"/>
               <a:ext cx="63202" cy="63202"/>
             </a:xfrm>
             <a:custGeom>
@@ -3490,7 +3490,7 @@
           </p:nvSpPr>
           <p:spPr>
             <a:xfrm>
-              <a:off x="5848160" y="5687279"/>
+              <a:off x="6667279" y="5686098"/>
               <a:ext cx="63202" cy="63202"/>
             </a:xfrm>
             <a:custGeom>
@@ -3589,7 +3589,7 @@
           </p:nvSpPr>
           <p:spPr>
             <a:xfrm>
-              <a:off x="7171360" y="6004414"/>
+              <a:off x="7171360" y="6003680"/>
               <a:ext cx="2817450" cy="0"/>
             </a:xfrm>
             <a:custGeom>
@@ -3632,7 +3632,7 @@
           </p:nvSpPr>
           <p:spPr>
             <a:xfrm>
-              <a:off x="7171360" y="4306883"/>
+              <a:off x="7171360" y="4306410"/>
               <a:ext cx="2817450" cy="0"/>
             </a:xfrm>
             <a:custGeom>
@@ -3675,7 +3675,7 @@
           </p:nvSpPr>
           <p:spPr>
             <a:xfrm>
-              <a:off x="7171360" y="2609352"/>
+              <a:off x="7171360" y="2609140"/>
               <a:ext cx="2817450" cy="0"/>
             </a:xfrm>
             <a:custGeom>
@@ -3718,7 +3718,7 @@
           </p:nvSpPr>
           <p:spPr>
             <a:xfrm>
-              <a:off x="7171360" y="6853180"/>
+              <a:off x="7171360" y="6852315"/>
               <a:ext cx="2817450" cy="0"/>
             </a:xfrm>
             <a:custGeom>
@@ -3761,7 +3761,7 @@
           </p:nvSpPr>
           <p:spPr>
             <a:xfrm>
-              <a:off x="7171360" y="5155649"/>
+              <a:off x="7171360" y="5155045"/>
               <a:ext cx="2817450" cy="0"/>
             </a:xfrm>
             <a:custGeom>
@@ -3804,7 +3804,7 @@
           </p:nvSpPr>
           <p:spPr>
             <a:xfrm>
-              <a:off x="7171360" y="3458118"/>
+              <a:off x="7171360" y="3457775"/>
               <a:ext cx="2817450" cy="0"/>
             </a:xfrm>
             <a:custGeom>
@@ -3847,7 +3847,7 @@
           </p:nvSpPr>
           <p:spPr>
             <a:xfrm>
-              <a:off x="7171360" y="1760587"/>
+              <a:off x="7171360" y="1760506"/>
               <a:ext cx="2817450" cy="0"/>
             </a:xfrm>
             <a:custGeom>
@@ -3976,7 +3976,7 @@
           </p:nvSpPr>
           <p:spPr>
             <a:xfrm>
-              <a:off x="7668957" y="2977930"/>
+              <a:off x="7537649" y="2977658"/>
               <a:ext cx="63202" cy="63202"/>
             </a:xfrm>
             <a:custGeom>
@@ -4019,7 +4019,7 @@
           </p:nvSpPr>
           <p:spPr>
             <a:xfrm>
-              <a:off x="8085176" y="3246619"/>
+              <a:off x="7776094" y="3245868"/>
               <a:ext cx="63202" cy="63202"/>
             </a:xfrm>
             <a:custGeom>
@@ -4062,7 +4062,7 @@
           </p:nvSpPr>
           <p:spPr>
             <a:xfrm>
-              <a:off x="9447875" y="6634049"/>
+              <a:off x="9658679" y="6634049"/>
               <a:ext cx="63202" cy="63202"/>
             </a:xfrm>
             <a:custGeom>
@@ -4105,7 +4105,7 @@
           </p:nvSpPr>
           <p:spPr>
             <a:xfrm>
-              <a:off x="8677167" y="6465058"/>
+              <a:off x="8959794" y="6464770"/>
               <a:ext cx="63202" cy="63202"/>
             </a:xfrm>
             <a:custGeom>
@@ -4148,7 +4148,7 @@
           </p:nvSpPr>
           <p:spPr>
             <a:xfrm>
-              <a:off x="9392598" y="5162190"/>
+              <a:off x="8759116" y="5161183"/>
               <a:ext cx="63202" cy="63202"/>
             </a:xfrm>
             <a:custGeom>
@@ -4191,7 +4191,7 @@
           </p:nvSpPr>
           <p:spPr>
             <a:xfrm>
-              <a:off x="8271657" y="3422843"/>
+              <a:off x="8246916" y="3424014"/>
               <a:ext cx="63202" cy="63202"/>
             </a:xfrm>
             <a:custGeom>
@@ -4234,7 +4234,7 @@
           </p:nvSpPr>
           <p:spPr>
             <a:xfrm>
-              <a:off x="9217096" y="6146953"/>
+              <a:off x="9378368" y="6145245"/>
               <a:ext cx="63202" cy="63202"/>
             </a:xfrm>
             <a:custGeom>
@@ -4277,7 +4277,7 @@
           </p:nvSpPr>
           <p:spPr>
             <a:xfrm>
-              <a:off x="9600577" y="5783355"/>
+              <a:off x="9468364" y="5782708"/>
               <a:ext cx="63202" cy="63202"/>
             </a:xfrm>
             <a:custGeom>
@@ -4320,7 +4320,7 @@
           </p:nvSpPr>
           <p:spPr>
             <a:xfrm>
-              <a:off x="7837103" y="4651343"/>
+              <a:off x="7767174" y="4652186"/>
               <a:ext cx="63202" cy="63202"/>
             </a:xfrm>
             <a:custGeom>
@@ -4363,7 +4363,7 @@
           </p:nvSpPr>
           <p:spPr>
             <a:xfrm>
-              <a:off x="7923425" y="2278006"/>
+              <a:off x="8207175" y="2278793"/>
               <a:ext cx="63202" cy="63202"/>
             </a:xfrm>
             <a:custGeom>
@@ -4406,7 +4406,7 @@
           </p:nvSpPr>
           <p:spPr>
             <a:xfrm>
-              <a:off x="7560427" y="2880993"/>
+              <a:off x="7865775" y="2878549"/>
               <a:ext cx="63202" cy="63202"/>
             </a:xfrm>
             <a:custGeom>
@@ -4449,7 +4449,7 @@
           </p:nvSpPr>
           <p:spPr>
             <a:xfrm>
-              <a:off x="7473923" y="2464701"/>
+              <a:off x="7698632" y="2465269"/>
               <a:ext cx="63202" cy="63202"/>
             </a:xfrm>
             <a:custGeom>
@@ -4492,7 +4492,7 @@
           </p:nvSpPr>
           <p:spPr>
             <a:xfrm>
-              <a:off x="7566179" y="4716546"/>
+              <a:off x="7409543" y="4717009"/>
               <a:ext cx="63202" cy="63202"/>
             </a:xfrm>
             <a:custGeom>
@@ -4535,7 +4535,7 @@
           </p:nvSpPr>
           <p:spPr>
             <a:xfrm>
-              <a:off x="7840061" y="2579071"/>
+              <a:off x="7773318" y="2578059"/>
               <a:ext cx="63202" cy="63202"/>
             </a:xfrm>
             <a:custGeom>
@@ -4578,7 +4578,7 @@
           </p:nvSpPr>
           <p:spPr>
             <a:xfrm>
-              <a:off x="8384255" y="2237406"/>
+              <a:off x="7948956" y="2238905"/>
               <a:ext cx="63202" cy="63202"/>
             </a:xfrm>
             <a:custGeom>
@@ -4621,7 +4621,7 @@
           </p:nvSpPr>
           <p:spPr>
             <a:xfrm>
-              <a:off x="8245099" y="2238724"/>
+              <a:off x="7660680" y="2239295"/>
               <a:ext cx="63202" cy="63202"/>
             </a:xfrm>
             <a:custGeom>
@@ -4664,7 +4664,7 @@
           </p:nvSpPr>
           <p:spPr>
             <a:xfrm>
-              <a:off x="8225893" y="2238065"/>
+              <a:off x="7781969" y="2239048"/>
               <a:ext cx="63202" cy="63202"/>
             </a:xfrm>
             <a:custGeom>
@@ -4707,7 +4707,7 @@
           </p:nvSpPr>
           <p:spPr>
             <a:xfrm>
-              <a:off x="7798099" y="2239439"/>
+              <a:off x="7446292" y="2238748"/>
               <a:ext cx="63202" cy="63202"/>
             </a:xfrm>
             <a:custGeom>
@@ -4750,7 +4750,7 @@
           </p:nvSpPr>
           <p:spPr>
             <a:xfrm>
-              <a:off x="7813037" y="2238800"/>
+              <a:off x="7588852" y="2237172"/>
               <a:ext cx="63202" cy="63202"/>
             </a:xfrm>
             <a:custGeom>
@@ -4793,7 +4793,7 @@
           </p:nvSpPr>
           <p:spPr>
             <a:xfrm>
-              <a:off x="8393056" y="4839135"/>
+              <a:off x="7607158" y="4838315"/>
               <a:ext cx="63202" cy="63202"/>
             </a:xfrm>
             <a:custGeom>
@@ -4836,7 +4836,7 @@
           </p:nvSpPr>
           <p:spPr>
             <a:xfrm>
-              <a:off x="7693257" y="4496391"/>
+              <a:off x="8036786" y="4495692"/>
               <a:ext cx="63202" cy="63202"/>
             </a:xfrm>
             <a:custGeom>
@@ -4879,7 +4879,7 @@
           </p:nvSpPr>
           <p:spPr>
             <a:xfrm>
-              <a:off x="8144707" y="2577177"/>
+              <a:off x="7914867" y="2577092"/>
               <a:ext cx="63202" cy="63202"/>
             </a:xfrm>
             <a:custGeom>
@@ -4922,7 +4922,7 @@
           </p:nvSpPr>
           <p:spPr>
             <a:xfrm>
-              <a:off x="7835811" y="3350639"/>
+              <a:off x="7902518" y="3350432"/>
               <a:ext cx="63202" cy="63202"/>
             </a:xfrm>
             <a:custGeom>
@@ -4965,7 +4965,7 @@
           </p:nvSpPr>
           <p:spPr>
             <a:xfrm>
-              <a:off x="7592231" y="3205109"/>
+              <a:off x="7951472" y="3205811"/>
               <a:ext cx="63202" cy="63202"/>
             </a:xfrm>
             <a:custGeom>
@@ -5008,7 +5008,7 @@
           </p:nvSpPr>
           <p:spPr>
             <a:xfrm>
-              <a:off x="7811997" y="4934310"/>
+              <a:off x="7493672" y="4934343"/>
               <a:ext cx="63202" cy="63202"/>
             </a:xfrm>
             <a:custGeom>
@@ -5051,7 +5051,7 @@
           </p:nvSpPr>
           <p:spPr>
             <a:xfrm>
-              <a:off x="8101442" y="4552350"/>
+              <a:off x="7924565" y="4554358"/>
               <a:ext cx="63202" cy="63202"/>
             </a:xfrm>
             <a:custGeom>
@@ -5094,7 +5094,7 @@
           </p:nvSpPr>
           <p:spPr>
             <a:xfrm>
-              <a:off x="9593766" y="5117733"/>
+              <a:off x="9659035" y="5115778"/>
               <a:ext cx="63202" cy="63202"/>
             </a:xfrm>
             <a:custGeom>
@@ -5137,7 +5137,7 @@
           </p:nvSpPr>
           <p:spPr>
             <a:xfrm>
-              <a:off x="7714590" y="2037017"/>
+              <a:off x="8395094" y="2038761"/>
               <a:ext cx="63202" cy="63202"/>
             </a:xfrm>
             <a:custGeom>
@@ -5180,7 +5180,7 @@
           </p:nvSpPr>
           <p:spPr>
             <a:xfrm>
-              <a:off x="7951876" y="3127017"/>
+              <a:off x="7458026" y="3126273"/>
               <a:ext cx="63202" cy="63202"/>
             </a:xfrm>
             <a:custGeom>
@@ -5223,7 +5223,7 @@
           </p:nvSpPr>
           <p:spPr>
             <a:xfrm>
-              <a:off x="7743907" y="3438929"/>
+              <a:off x="7529872" y="3440774"/>
               <a:ext cx="63202" cy="63202"/>
             </a:xfrm>
             <a:custGeom>
@@ -5266,7 +5266,7 @@
           </p:nvSpPr>
           <p:spPr>
             <a:xfrm>
-              <a:off x="8190412" y="4506005"/>
+              <a:off x="8299838" y="4505165"/>
               <a:ext cx="63202" cy="63202"/>
             </a:xfrm>
             <a:custGeom>
@@ -5309,7 +5309,7 @@
           </p:nvSpPr>
           <p:spPr>
             <a:xfrm>
-              <a:off x="8194758" y="2407200"/>
+              <a:off x="7987749" y="2407213"/>
               <a:ext cx="63202" cy="63202"/>
             </a:xfrm>
             <a:custGeom>
@@ -5352,7 +5352,7 @@
           </p:nvSpPr>
           <p:spPr>
             <a:xfrm>
-              <a:off x="8156697" y="2274848"/>
+              <a:off x="8151960" y="2274831"/>
               <a:ext cx="63202" cy="63202"/>
             </a:xfrm>
             <a:custGeom>
@@ -5395,7 +5395,7 @@
           </p:nvSpPr>
           <p:spPr>
             <a:xfrm>
-              <a:off x="8099195" y="3562355"/>
+              <a:off x="8271699" y="3560683"/>
               <a:ext cx="63202" cy="63202"/>
             </a:xfrm>
             <a:custGeom>
@@ -5438,7 +5438,7 @@
           </p:nvSpPr>
           <p:spPr>
             <a:xfrm>
-              <a:off x="8040879" y="4522726"/>
+              <a:off x="7832693" y="4521848"/>
               <a:ext cx="63202" cy="63202"/>
             </a:xfrm>
             <a:custGeom>
@@ -5481,7 +5481,7 @@
           </p:nvSpPr>
           <p:spPr>
             <a:xfrm>
-              <a:off x="8084691" y="2159613"/>
+              <a:off x="8203360" y="2159513"/>
               <a:ext cx="63202" cy="63202"/>
             </a:xfrm>
             <a:custGeom>
@@ -5524,7 +5524,7 @@
           </p:nvSpPr>
           <p:spPr>
             <a:xfrm>
-              <a:off x="8033659" y="2471993"/>
+              <a:off x="8213532" y="2473150"/>
               <a:ext cx="63202" cy="63202"/>
             </a:xfrm>
             <a:custGeom>
@@ -5567,7 +5567,7 @@
           </p:nvSpPr>
           <p:spPr>
             <a:xfrm>
-              <a:off x="7771213" y="2085268"/>
+              <a:off x="7794394" y="2084695"/>
               <a:ext cx="63202" cy="63202"/>
             </a:xfrm>
             <a:custGeom>
@@ -5610,7 +5610,7 @@
           </p:nvSpPr>
           <p:spPr>
             <a:xfrm>
-              <a:off x="7661223" y="2469518"/>
+              <a:off x="8199942" y="2468315"/>
               <a:ext cx="63202" cy="63202"/>
             </a:xfrm>
             <a:custGeom>
@@ -5653,7 +5653,7 @@
           </p:nvSpPr>
           <p:spPr>
             <a:xfrm>
-              <a:off x="7962623" y="2034750"/>
+              <a:off x="7971014" y="2034063"/>
               <a:ext cx="63202" cy="63202"/>
             </a:xfrm>
             <a:custGeom>
@@ -5696,7 +5696,7 @@
           </p:nvSpPr>
           <p:spPr>
             <a:xfrm>
-              <a:off x="7419121" y="2743431"/>
+              <a:off x="8407103" y="2745164"/>
               <a:ext cx="63202" cy="63202"/>
             </a:xfrm>
             <a:custGeom>
@@ -5739,7 +5739,7 @@
           </p:nvSpPr>
           <p:spPr>
             <a:xfrm>
-              <a:off x="7995468" y="1641734"/>
+              <a:off x="8353079" y="1641734"/>
               <a:ext cx="63202" cy="63202"/>
             </a:xfrm>
             <a:custGeom>
@@ -5782,7 +5782,7 @@
           </p:nvSpPr>
           <p:spPr>
             <a:xfrm>
-              <a:off x="8078994" y="3233954"/>
+              <a:off x="7407053" y="3232522"/>
               <a:ext cx="63202" cy="63202"/>
             </a:xfrm>
             <a:custGeom>
@@ -5825,7 +5825,7 @@
           </p:nvSpPr>
           <p:spPr>
             <a:xfrm>
-              <a:off x="8114337" y="2628402"/>
+              <a:off x="7634367" y="2629249"/>
               <a:ext cx="63202" cy="63202"/>
             </a:xfrm>
             <a:custGeom>
@@ -5868,7 +5868,7 @@
           </p:nvSpPr>
           <p:spPr>
             <a:xfrm>
-              <a:off x="8375137" y="2510878"/>
+              <a:off x="7534653" y="2509593"/>
               <a:ext cx="63202" cy="63202"/>
             </a:xfrm>
             <a:custGeom>
@@ -5911,7 +5911,7 @@
           </p:nvSpPr>
           <p:spPr>
             <a:xfrm>
-              <a:off x="7861053" y="2727439"/>
+              <a:off x="7601436" y="2726584"/>
               <a:ext cx="63202" cy="63202"/>
             </a:xfrm>
             <a:custGeom>
@@ -5954,7 +5954,7 @@
           </p:nvSpPr>
           <p:spPr>
             <a:xfrm>
-              <a:off x="7599702" y="3219145"/>
+              <a:off x="8378694" y="3218007"/>
               <a:ext cx="63202" cy="63202"/>
             </a:xfrm>
             <a:custGeom>
@@ -5997,7 +5997,7 @@
           </p:nvSpPr>
           <p:spPr>
             <a:xfrm>
-              <a:off x="7666944" y="2943752"/>
+              <a:off x="8280829" y="2944349"/>
               <a:ext cx="63202" cy="63202"/>
             </a:xfrm>
             <a:custGeom>
@@ -6040,7 +6040,7 @@
           </p:nvSpPr>
           <p:spPr>
             <a:xfrm>
-              <a:off x="7836677" y="3093564"/>
+              <a:off x="8187275" y="3094531"/>
               <a:ext cx="63202" cy="63202"/>
             </a:xfrm>
             <a:custGeom>
@@ -6083,7 +6083,7 @@
           </p:nvSpPr>
           <p:spPr>
             <a:xfrm>
-              <a:off x="8004063" y="3009746"/>
+              <a:off x="7419837" y="3007300"/>
               <a:ext cx="63202" cy="63202"/>
             </a:xfrm>
             <a:custGeom>
@@ -6126,7 +6126,7 @@
           </p:nvSpPr>
           <p:spPr>
             <a:xfrm>
-              <a:off x="8174251" y="3294460"/>
+              <a:off x="7564871" y="3292933"/>
               <a:ext cx="63202" cy="63202"/>
             </a:xfrm>
             <a:custGeom>
@@ -6169,7 +6169,7 @@
           </p:nvSpPr>
           <p:spPr>
             <a:xfrm>
-              <a:off x="7482081" y="3775498"/>
+              <a:off x="7972927" y="3776185"/>
               <a:ext cx="63202" cy="63202"/>
             </a:xfrm>
             <a:custGeom>
@@ -7001,7 +7001,7 @@
           </p:nvSpPr>
           <p:spPr>
             <a:xfrm>
-              <a:off x="1148183" y="6811488"/>
+              <a:off x="1148183" y="6810623"/>
               <a:ext cx="186466" cy="81691"/>
             </a:xfrm>
             <a:prstGeom prst="rect">
@@ -7047,7 +7047,7 @@
           </p:nvSpPr>
           <p:spPr>
             <a:xfrm>
-              <a:off x="1148183" y="5113957"/>
+              <a:off x="1148183" y="5113353"/>
               <a:ext cx="186466" cy="81691"/>
             </a:xfrm>
             <a:prstGeom prst="rect">
@@ -7093,7 +7093,7 @@
           </p:nvSpPr>
           <p:spPr>
             <a:xfrm>
-              <a:off x="1148183" y="3416426"/>
+              <a:off x="1148183" y="3416084"/>
               <a:ext cx="186466" cy="81691"/>
             </a:xfrm>
             <a:prstGeom prst="rect">
@@ -7139,7 +7139,7 @@
           </p:nvSpPr>
           <p:spPr>
             <a:xfrm>
-              <a:off x="1148183" y="1718895"/>
+              <a:off x="1148183" y="1718814"/>
               <a:ext cx="186466" cy="81691"/>
             </a:xfrm>
             <a:prstGeom prst="rect">
@@ -7185,7 +7185,7 @@
           </p:nvSpPr>
           <p:spPr>
             <a:xfrm>
-              <a:off x="1362485" y="6853180"/>
+              <a:off x="1362485" y="6852315"/>
               <a:ext cx="34794" cy="0"/>
             </a:xfrm>
             <a:custGeom>
@@ -7225,7 +7225,7 @@
           </p:nvSpPr>
           <p:spPr>
             <a:xfrm>
-              <a:off x="1362485" y="5155649"/>
+              <a:off x="1362485" y="5155045"/>
               <a:ext cx="34794" cy="0"/>
             </a:xfrm>
             <a:custGeom>
@@ -7265,7 +7265,7 @@
           </p:nvSpPr>
           <p:spPr>
             <a:xfrm>
-              <a:off x="1362485" y="3458118"/>
+              <a:off x="1362485" y="3457775"/>
               <a:ext cx="34794" cy="0"/>
             </a:xfrm>
             <a:custGeom>
@@ -7305,7 +7305,7 @@
           </p:nvSpPr>
           <p:spPr>
             <a:xfrm>
-              <a:off x="1362485" y="1760587"/>
+              <a:off x="1362485" y="1760506"/>
               <a:ext cx="34794" cy="0"/>
             </a:xfrm>
             <a:custGeom>

--- a/Images/Figures_PPT/Jitter_Plot_SIN1_All.pptx
+++ b/Images/Figures_PPT/Jitter_Plot_SIN1_All.pptx
@@ -2359,7 +2359,7 @@
           </p:nvSpPr>
           <p:spPr>
             <a:xfrm>
-              <a:off x="1397280" y="6003680"/>
+              <a:off x="1397280" y="6004329"/>
               <a:ext cx="2817450" cy="0"/>
             </a:xfrm>
             <a:custGeom>
@@ -2402,7 +2402,7 @@
           </p:nvSpPr>
           <p:spPr>
             <a:xfrm>
-              <a:off x="1397280" y="4306410"/>
+              <a:off x="1397280" y="4306807"/>
               <a:ext cx="2817450" cy="0"/>
             </a:xfrm>
             <a:custGeom>
@@ -2445,7 +2445,7 @@
           </p:nvSpPr>
           <p:spPr>
             <a:xfrm>
-              <a:off x="1397280" y="2609140"/>
+              <a:off x="1397280" y="2609285"/>
               <a:ext cx="2817450" cy="0"/>
             </a:xfrm>
             <a:custGeom>
@@ -2488,7 +2488,7 @@
           </p:nvSpPr>
           <p:spPr>
             <a:xfrm>
-              <a:off x="1397280" y="6852315"/>
+              <a:off x="1397280" y="6853090"/>
               <a:ext cx="2817450" cy="0"/>
             </a:xfrm>
             <a:custGeom>
@@ -2531,7 +2531,7 @@
           </p:nvSpPr>
           <p:spPr>
             <a:xfrm>
-              <a:off x="1397280" y="5155045"/>
+              <a:off x="1397280" y="5155568"/>
               <a:ext cx="2817450" cy="0"/>
             </a:xfrm>
             <a:custGeom>
@@ -2574,7 +2574,7 @@
           </p:nvSpPr>
           <p:spPr>
             <a:xfrm>
-              <a:off x="1397280" y="3457775"/>
+              <a:off x="1397280" y="3458046"/>
               <a:ext cx="2817450" cy="0"/>
             </a:xfrm>
             <a:custGeom>
@@ -2617,7 +2617,7 @@
           </p:nvSpPr>
           <p:spPr>
             <a:xfrm>
-              <a:off x="1397280" y="1760506"/>
+              <a:off x="1397280" y="1760524"/>
               <a:ext cx="2817450" cy="0"/>
             </a:xfrm>
             <a:custGeom>
@@ -2746,7 +2746,7 @@
           </p:nvSpPr>
           <p:spPr>
             <a:xfrm>
-              <a:off x="1932875" y="3301819"/>
+              <a:off x="2303620" y="3300426"/>
               <a:ext cx="63202" cy="63202"/>
             </a:xfrm>
             <a:custGeom>
@@ -2789,7 +2789,7 @@
           </p:nvSpPr>
           <p:spPr>
             <a:xfrm>
-              <a:off x="2608002" y="3300431"/>
+              <a:off x="1744237" y="3299481"/>
               <a:ext cx="63202" cy="63202"/>
             </a:xfrm>
             <a:custGeom>
@@ -2832,7 +2832,7 @@
           </p:nvSpPr>
           <p:spPr>
             <a:xfrm>
-              <a:off x="2083530" y="3894825"/>
+              <a:off x="1791337" y="3893623"/>
               <a:ext cx="63202" cy="63202"/>
             </a:xfrm>
             <a:custGeom>
@@ -2875,7 +2875,7 @@
           </p:nvSpPr>
           <p:spPr>
             <a:xfrm>
-              <a:off x="2043895" y="3318462"/>
+              <a:off x="2175051" y="3318647"/>
               <a:ext cx="63202" cy="63202"/>
             </a:xfrm>
             <a:custGeom>
@@ -2918,7 +2918,7 @@
           </p:nvSpPr>
           <p:spPr>
             <a:xfrm>
-              <a:off x="2583759" y="3751775"/>
+              <a:off x="2230415" y="3751791"/>
               <a:ext cx="63202" cy="63202"/>
             </a:xfrm>
             <a:custGeom>
@@ -2961,7 +2961,7 @@
           </p:nvSpPr>
           <p:spPr>
             <a:xfrm>
-              <a:off x="2300918" y="3701386"/>
+              <a:off x="2500497" y="3700579"/>
               <a:ext cx="63202" cy="63202"/>
             </a:xfrm>
             <a:custGeom>
@@ -3060,7 +3060,7 @@
           </p:nvSpPr>
           <p:spPr>
             <a:xfrm>
-              <a:off x="4284320" y="6003680"/>
+              <a:off x="4284320" y="6004329"/>
               <a:ext cx="2817450" cy="0"/>
             </a:xfrm>
             <a:custGeom>
@@ -3103,7 +3103,7 @@
           </p:nvSpPr>
           <p:spPr>
             <a:xfrm>
-              <a:off x="4284320" y="4306410"/>
+              <a:off x="4284320" y="4306807"/>
               <a:ext cx="2817450" cy="0"/>
             </a:xfrm>
             <a:custGeom>
@@ -3146,7 +3146,7 @@
           </p:nvSpPr>
           <p:spPr>
             <a:xfrm>
-              <a:off x="4284320" y="2609140"/>
+              <a:off x="4284320" y="2609285"/>
               <a:ext cx="2817450" cy="0"/>
             </a:xfrm>
             <a:custGeom>
@@ -3189,7 +3189,7 @@
           </p:nvSpPr>
           <p:spPr>
             <a:xfrm>
-              <a:off x="4284320" y="6852315"/>
+              <a:off x="4284320" y="6853090"/>
               <a:ext cx="2817450" cy="0"/>
             </a:xfrm>
             <a:custGeom>
@@ -3232,7 +3232,7 @@
           </p:nvSpPr>
           <p:spPr>
             <a:xfrm>
-              <a:off x="4284320" y="5155045"/>
+              <a:off x="4284320" y="5155568"/>
               <a:ext cx="2817450" cy="0"/>
             </a:xfrm>
             <a:custGeom>
@@ -3275,7 +3275,7 @@
           </p:nvSpPr>
           <p:spPr>
             <a:xfrm>
-              <a:off x="4284320" y="3457775"/>
+              <a:off x="4284320" y="3458046"/>
               <a:ext cx="2817450" cy="0"/>
             </a:xfrm>
             <a:custGeom>
@@ -3318,7 +3318,7 @@
           </p:nvSpPr>
           <p:spPr>
             <a:xfrm>
-              <a:off x="4284320" y="1760506"/>
+              <a:off x="4284320" y="1760524"/>
               <a:ext cx="2817450" cy="0"/>
             </a:xfrm>
             <a:custGeom>
@@ -3447,7 +3447,7 @@
           </p:nvSpPr>
           <p:spPr>
             <a:xfrm>
-              <a:off x="6655797" y="6018699"/>
+              <a:off x="5920789" y="6020287"/>
               <a:ext cx="63202" cy="63202"/>
             </a:xfrm>
             <a:custGeom>
@@ -3490,7 +3490,7 @@
           </p:nvSpPr>
           <p:spPr>
             <a:xfrm>
-              <a:off x="6667279" y="5686098"/>
+              <a:off x="5928553" y="5687508"/>
               <a:ext cx="63202" cy="63202"/>
             </a:xfrm>
             <a:custGeom>
@@ -3589,7 +3589,7 @@
           </p:nvSpPr>
           <p:spPr>
             <a:xfrm>
-              <a:off x="7171360" y="6003680"/>
+              <a:off x="7171360" y="6004329"/>
               <a:ext cx="2817450" cy="0"/>
             </a:xfrm>
             <a:custGeom>
@@ -3632,7 +3632,7 @@
           </p:nvSpPr>
           <p:spPr>
             <a:xfrm>
-              <a:off x="7171360" y="4306410"/>
+              <a:off x="7171360" y="4306807"/>
               <a:ext cx="2817450" cy="0"/>
             </a:xfrm>
             <a:custGeom>
@@ -3675,7 +3675,7 @@
           </p:nvSpPr>
           <p:spPr>
             <a:xfrm>
-              <a:off x="7171360" y="2609140"/>
+              <a:off x="7171360" y="2609285"/>
               <a:ext cx="2817450" cy="0"/>
             </a:xfrm>
             <a:custGeom>
@@ -3718,7 +3718,7 @@
           </p:nvSpPr>
           <p:spPr>
             <a:xfrm>
-              <a:off x="7171360" y="6852315"/>
+              <a:off x="7171360" y="6853090"/>
               <a:ext cx="2817450" cy="0"/>
             </a:xfrm>
             <a:custGeom>
@@ -3761,7 +3761,7 @@
           </p:nvSpPr>
           <p:spPr>
             <a:xfrm>
-              <a:off x="7171360" y="5155045"/>
+              <a:off x="7171360" y="5155568"/>
               <a:ext cx="2817450" cy="0"/>
             </a:xfrm>
             <a:custGeom>
@@ -3804,7 +3804,7 @@
           </p:nvSpPr>
           <p:spPr>
             <a:xfrm>
-              <a:off x="7171360" y="3457775"/>
+              <a:off x="7171360" y="3458046"/>
               <a:ext cx="2817450" cy="0"/>
             </a:xfrm>
             <a:custGeom>
@@ -3847,7 +3847,7 @@
           </p:nvSpPr>
           <p:spPr>
             <a:xfrm>
-              <a:off x="7171360" y="1760506"/>
+              <a:off x="7171360" y="1760524"/>
               <a:ext cx="2817450" cy="0"/>
             </a:xfrm>
             <a:custGeom>
@@ -3976,7 +3976,7 @@
           </p:nvSpPr>
           <p:spPr>
             <a:xfrm>
-              <a:off x="7537649" y="2977658"/>
+              <a:off x="7557924" y="2977738"/>
               <a:ext cx="63202" cy="63202"/>
             </a:xfrm>
             <a:custGeom>
@@ -4019,7 +4019,7 @@
           </p:nvSpPr>
           <p:spPr>
             <a:xfrm>
-              <a:off x="7776094" y="3245868"/>
+              <a:off x="7601507" y="3246587"/>
               <a:ext cx="63202" cy="63202"/>
             </a:xfrm>
             <a:custGeom>
@@ -4062,7 +4062,7 @@
           </p:nvSpPr>
           <p:spPr>
             <a:xfrm>
-              <a:off x="9658679" y="6634049"/>
+              <a:off x="9264848" y="6634049"/>
               <a:ext cx="63202" cy="63202"/>
             </a:xfrm>
             <a:custGeom>
@@ -4105,7 +4105,7 @@
           </p:nvSpPr>
           <p:spPr>
             <a:xfrm>
-              <a:off x="8959794" y="6464770"/>
+              <a:off x="9222162" y="6466341"/>
               <a:ext cx="63202" cy="63202"/>
             </a:xfrm>
             <a:custGeom>
@@ -4148,7 +4148,7 @@
           </p:nvSpPr>
           <p:spPr>
             <a:xfrm>
-              <a:off x="8759116" y="5161183"/>
+              <a:off x="9046499" y="5162592"/>
               <a:ext cx="63202" cy="63202"/>
             </a:xfrm>
             <a:custGeom>
@@ -4191,7 +4191,7 @@
           </p:nvSpPr>
           <p:spPr>
             <a:xfrm>
-              <a:off x="8246916" y="3424014"/>
+              <a:off x="7662059" y="3422250"/>
               <a:ext cx="63202" cy="63202"/>
             </a:xfrm>
             <a:custGeom>
@@ -4234,7 +4234,7 @@
           </p:nvSpPr>
           <p:spPr>
             <a:xfrm>
-              <a:off x="9378368" y="6145245"/>
+              <a:off x="9520236" y="6146384"/>
               <a:ext cx="63202" cy="63202"/>
             </a:xfrm>
             <a:custGeom>
@@ -4277,7 +4277,7 @@
           </p:nvSpPr>
           <p:spPr>
             <a:xfrm>
-              <a:off x="9468364" y="5782708"/>
+              <a:off x="9612455" y="5781539"/>
               <a:ext cx="63202" cy="63202"/>
             </a:xfrm>
             <a:custGeom>
@@ -4320,7 +4320,7 @@
           </p:nvSpPr>
           <p:spPr>
             <a:xfrm>
-              <a:off x="7767174" y="4652186"/>
+              <a:off x="8263682" y="4652450"/>
               <a:ext cx="63202" cy="63202"/>
             </a:xfrm>
             <a:custGeom>
@@ -4363,7 +4363,7 @@
           </p:nvSpPr>
           <p:spPr>
             <a:xfrm>
-              <a:off x="8207175" y="2278793"/>
+              <a:off x="8146336" y="2279289"/>
               <a:ext cx="63202" cy="63202"/>
             </a:xfrm>
             <a:custGeom>
@@ -4406,7 +4406,7 @@
           </p:nvSpPr>
           <p:spPr>
             <a:xfrm>
-              <a:off x="7865775" y="2878549"/>
+              <a:off x="7452380" y="2880259"/>
               <a:ext cx="63202" cy="63202"/>
             </a:xfrm>
             <a:custGeom>
@@ -4449,7 +4449,7 @@
           </p:nvSpPr>
           <p:spPr>
             <a:xfrm>
-              <a:off x="7698632" y="2465269"/>
+              <a:off x="7890973" y="2465488"/>
               <a:ext cx="63202" cy="63202"/>
             </a:xfrm>
             <a:custGeom>
@@ -4492,7 +4492,7 @@
           </p:nvSpPr>
           <p:spPr>
             <a:xfrm>
-              <a:off x="7409543" y="4717009"/>
+              <a:off x="7619753" y="4717270"/>
               <a:ext cx="63202" cy="63202"/>
             </a:xfrm>
             <a:custGeom>
@@ -4535,7 +4535,7 @@
           </p:nvSpPr>
           <p:spPr>
             <a:xfrm>
-              <a:off x="7773318" y="2578059"/>
+              <a:off x="8200947" y="2577661"/>
               <a:ext cx="63202" cy="63202"/>
             </a:xfrm>
             <a:custGeom>
@@ -4578,7 +4578,7 @@
           </p:nvSpPr>
           <p:spPr>
             <a:xfrm>
-              <a:off x="7948956" y="2238905"/>
+              <a:off x="7880380" y="2239124"/>
               <a:ext cx="63202" cy="63202"/>
             </a:xfrm>
             <a:custGeom>
@@ -4621,7 +4621,7 @@
           </p:nvSpPr>
           <p:spPr>
             <a:xfrm>
-              <a:off x="7660680" y="2239295"/>
+              <a:off x="7793902" y="2239015"/>
               <a:ext cx="63202" cy="63202"/>
             </a:xfrm>
             <a:custGeom>
@@ -4664,7 +4664,7 @@
           </p:nvSpPr>
           <p:spPr>
             <a:xfrm>
-              <a:off x="7781969" y="2239048"/>
+              <a:off x="7401838" y="2236970"/>
               <a:ext cx="63202" cy="63202"/>
             </a:xfrm>
             <a:custGeom>
@@ -4707,7 +4707,7 @@
           </p:nvSpPr>
           <p:spPr>
             <a:xfrm>
-              <a:off x="7446292" y="2238748"/>
+              <a:off x="7656121" y="2237271"/>
               <a:ext cx="63202" cy="63202"/>
             </a:xfrm>
             <a:custGeom>
@@ -4750,7 +4750,7 @@
           </p:nvSpPr>
           <p:spPr>
             <a:xfrm>
-              <a:off x="7588852" y="2237172"/>
+              <a:off x="7414279" y="2239533"/>
               <a:ext cx="63202" cy="63202"/>
             </a:xfrm>
             <a:custGeom>
@@ -4793,7 +4793,7 @@
           </p:nvSpPr>
           <p:spPr>
             <a:xfrm>
-              <a:off x="7607158" y="4838315"/>
+              <a:off x="7674674" y="4839540"/>
               <a:ext cx="63202" cy="63202"/>
             </a:xfrm>
             <a:custGeom>
@@ -4836,7 +4836,7 @@
           </p:nvSpPr>
           <p:spPr>
             <a:xfrm>
-              <a:off x="8036786" y="4495692"/>
+              <a:off x="7883579" y="4497111"/>
               <a:ext cx="63202" cy="63202"/>
             </a:xfrm>
             <a:custGeom>
@@ -4879,7 +4879,7 @@
           </p:nvSpPr>
           <p:spPr>
             <a:xfrm>
-              <a:off x="7914867" y="2577092"/>
+              <a:off x="7432661" y="2577912"/>
               <a:ext cx="63202" cy="63202"/>
             </a:xfrm>
             <a:custGeom>
@@ -4922,7 +4922,7 @@
           </p:nvSpPr>
           <p:spPr>
             <a:xfrm>
-              <a:off x="7902518" y="3350432"/>
+              <a:off x="7569711" y="3350843"/>
               <a:ext cx="63202" cy="63202"/>
             </a:xfrm>
             <a:custGeom>
@@ -4965,7 +4965,7 @@
           </p:nvSpPr>
           <p:spPr>
             <a:xfrm>
-              <a:off x="7951472" y="3205811"/>
+              <a:off x="7979929" y="3205280"/>
               <a:ext cx="63202" cy="63202"/>
             </a:xfrm>
             <a:custGeom>
@@ -5008,7 +5008,7 @@
           </p:nvSpPr>
           <p:spPr>
             <a:xfrm>
-              <a:off x="7493672" y="4934343"/>
+              <a:off x="8358764" y="4933916"/>
               <a:ext cx="63202" cy="63202"/>
             </a:xfrm>
             <a:custGeom>
@@ -5051,7 +5051,7 @@
           </p:nvSpPr>
           <p:spPr>
             <a:xfrm>
-              <a:off x="7924565" y="4554358"/>
+              <a:off x="7897910" y="4553845"/>
               <a:ext cx="63202" cy="63202"/>
             </a:xfrm>
             <a:custGeom>
@@ -5094,7 +5094,7 @@
           </p:nvSpPr>
           <p:spPr>
             <a:xfrm>
-              <a:off x="9659035" y="5115778"/>
+              <a:off x="8957091" y="5118288"/>
               <a:ext cx="63202" cy="63202"/>
             </a:xfrm>
             <a:custGeom>
@@ -5137,7 +5137,7 @@
           </p:nvSpPr>
           <p:spPr>
             <a:xfrm>
-              <a:off x="8395094" y="2038761"/>
+              <a:off x="7465966" y="2039114"/>
               <a:ext cx="63202" cy="63202"/>
             </a:xfrm>
             <a:custGeom>
@@ -5180,7 +5180,7 @@
           </p:nvSpPr>
           <p:spPr>
             <a:xfrm>
-              <a:off x="7458026" y="3126273"/>
+              <a:off x="7419450" y="3128111"/>
               <a:ext cx="63202" cy="63202"/>
             </a:xfrm>
             <a:custGeom>
@@ -5223,7 +5223,7 @@
           </p:nvSpPr>
           <p:spPr>
             <a:xfrm>
-              <a:off x="7529872" y="3440774"/>
+              <a:off x="8401940" y="3440448"/>
               <a:ext cx="63202" cy="63202"/>
             </a:xfrm>
             <a:custGeom>
@@ -5266,7 +5266,7 @@
           </p:nvSpPr>
           <p:spPr>
             <a:xfrm>
-              <a:off x="8299838" y="4505165"/>
+              <a:off x="8121036" y="4505729"/>
               <a:ext cx="63202" cy="63202"/>
             </a:xfrm>
             <a:custGeom>
@@ -5309,7 +5309,7 @@
           </p:nvSpPr>
           <p:spPr>
             <a:xfrm>
-              <a:off x="7987749" y="2407213"/>
+              <a:off x="8266484" y="2408767"/>
               <a:ext cx="63202" cy="63202"/>
             </a:xfrm>
             <a:custGeom>
@@ -5352,7 +5352,7 @@
           </p:nvSpPr>
           <p:spPr>
             <a:xfrm>
-              <a:off x="8151960" y="2274831"/>
+              <a:off x="7402255" y="2276196"/>
               <a:ext cx="63202" cy="63202"/>
             </a:xfrm>
             <a:custGeom>
@@ -5395,7 +5395,7 @@
           </p:nvSpPr>
           <p:spPr>
             <a:xfrm>
-              <a:off x="8271699" y="3560683"/>
+              <a:off x="7629834" y="3562978"/>
               <a:ext cx="63202" cy="63202"/>
             </a:xfrm>
             <a:custGeom>
@@ -5438,7 +5438,7 @@
           </p:nvSpPr>
           <p:spPr>
             <a:xfrm>
-              <a:off x="7832693" y="4521848"/>
+              <a:off x="7543887" y="4523902"/>
               <a:ext cx="63202" cy="63202"/>
             </a:xfrm>
             <a:custGeom>
@@ -5481,7 +5481,7 @@
           </p:nvSpPr>
           <p:spPr>
             <a:xfrm>
-              <a:off x="8203360" y="2159513"/>
+              <a:off x="7901922" y="2160568"/>
               <a:ext cx="63202" cy="63202"/>
             </a:xfrm>
             <a:custGeom>
@@ -5524,7 +5524,7 @@
           </p:nvSpPr>
           <p:spPr>
             <a:xfrm>
-              <a:off x="8213532" y="2473150"/>
+              <a:off x="8058978" y="2472697"/>
               <a:ext cx="63202" cy="63202"/>
             </a:xfrm>
             <a:custGeom>
@@ -5567,7 +5567,7 @@
           </p:nvSpPr>
           <p:spPr>
             <a:xfrm>
-              <a:off x="7794394" y="2084695"/>
+              <a:off x="7675830" y="2085264"/>
               <a:ext cx="63202" cy="63202"/>
             </a:xfrm>
             <a:custGeom>
@@ -5610,7 +5610,7 @@
           </p:nvSpPr>
           <p:spPr>
             <a:xfrm>
-              <a:off x="8199942" y="2468315"/>
+              <a:off x="8166518" y="2470268"/>
               <a:ext cx="63202" cy="63202"/>
             </a:xfrm>
             <a:custGeom>
@@ -5653,7 +5653,7 @@
           </p:nvSpPr>
           <p:spPr>
             <a:xfrm>
-              <a:off x="7971014" y="2034063"/>
+              <a:off x="8286505" y="2034592"/>
               <a:ext cx="63202" cy="63202"/>
             </a:xfrm>
             <a:custGeom>
@@ -5696,7 +5696,7 @@
           </p:nvSpPr>
           <p:spPr>
             <a:xfrm>
-              <a:off x="8407103" y="2745164"/>
+              <a:off x="7751014" y="2742929"/>
               <a:ext cx="63202" cy="63202"/>
             </a:xfrm>
             <a:custGeom>
@@ -5739,7 +5739,7 @@
           </p:nvSpPr>
           <p:spPr>
             <a:xfrm>
-              <a:off x="8353079" y="1641734"/>
+              <a:off x="7502446" y="1641734"/>
               <a:ext cx="63202" cy="63202"/>
             </a:xfrm>
             <a:custGeom>
@@ -5782,7 +5782,7 @@
           </p:nvSpPr>
           <p:spPr>
             <a:xfrm>
-              <a:off x="7407053" y="3232522"/>
+              <a:off x="8303475" y="3232050"/>
               <a:ext cx="63202" cy="63202"/>
             </a:xfrm>
             <a:custGeom>
@@ -5825,7 +5825,7 @@
           </p:nvSpPr>
           <p:spPr>
             <a:xfrm>
-              <a:off x="7634367" y="2629249"/>
+              <a:off x="7483222" y="2629212"/>
               <a:ext cx="63202" cy="63202"/>
             </a:xfrm>
             <a:custGeom>
@@ -5868,7 +5868,7 @@
           </p:nvSpPr>
           <p:spPr>
             <a:xfrm>
-              <a:off x="7534653" y="2509593"/>
+              <a:off x="7459267" y="2510920"/>
               <a:ext cx="63202" cy="63202"/>
             </a:xfrm>
             <a:custGeom>
@@ -5911,7 +5911,7 @@
           </p:nvSpPr>
           <p:spPr>
             <a:xfrm>
-              <a:off x="7601436" y="2726584"/>
+              <a:off x="7935352" y="2725794"/>
               <a:ext cx="63202" cy="63202"/>
             </a:xfrm>
             <a:custGeom>
@@ -5954,7 +5954,7 @@
           </p:nvSpPr>
           <p:spPr>
             <a:xfrm>
-              <a:off x="8378694" y="3218007"/>
+              <a:off x="8073657" y="3219800"/>
               <a:ext cx="63202" cy="63202"/>
             </a:xfrm>
             <a:custGeom>
@@ -5997,7 +5997,7 @@
           </p:nvSpPr>
           <p:spPr>
             <a:xfrm>
-              <a:off x="8280829" y="2944349"/>
+              <a:off x="7841660" y="2943000"/>
               <a:ext cx="63202" cy="63202"/>
             </a:xfrm>
             <a:custGeom>
@@ -6040,7 +6040,7 @@
           </p:nvSpPr>
           <p:spPr>
             <a:xfrm>
-              <a:off x="8187275" y="3094531"/>
+              <a:off x="7817992" y="3094135"/>
               <a:ext cx="63202" cy="63202"/>
             </a:xfrm>
             <a:custGeom>
@@ -6083,7 +6083,7 @@
           </p:nvSpPr>
           <p:spPr>
             <a:xfrm>
-              <a:off x="7419837" y="3007300"/>
+              <a:off x="7443971" y="3008992"/>
               <a:ext cx="63202" cy="63202"/>
             </a:xfrm>
             <a:custGeom>
@@ -6126,7 +6126,7 @@
           </p:nvSpPr>
           <p:spPr>
             <a:xfrm>
-              <a:off x="7564871" y="3292933"/>
+              <a:off x="7853967" y="3294763"/>
               <a:ext cx="63202" cy="63202"/>
             </a:xfrm>
             <a:custGeom>
@@ -6169,7 +6169,7 @@
           </p:nvSpPr>
           <p:spPr>
             <a:xfrm>
-              <a:off x="7972927" y="3776185"/>
+              <a:off x="7703192" y="3775639"/>
               <a:ext cx="63202" cy="63202"/>
             </a:xfrm>
             <a:custGeom>
@@ -7001,7 +7001,7 @@
           </p:nvSpPr>
           <p:spPr>
             <a:xfrm>
-              <a:off x="1148183" y="6810623"/>
+              <a:off x="1148183" y="6811398"/>
               <a:ext cx="186466" cy="81691"/>
             </a:xfrm>
             <a:prstGeom prst="rect">
@@ -7047,7 +7047,7 @@
           </p:nvSpPr>
           <p:spPr>
             <a:xfrm>
-              <a:off x="1148183" y="5113353"/>
+              <a:off x="1148183" y="5113876"/>
               <a:ext cx="186466" cy="81691"/>
             </a:xfrm>
             <a:prstGeom prst="rect">
@@ -7093,7 +7093,7 @@
           </p:nvSpPr>
           <p:spPr>
             <a:xfrm>
-              <a:off x="1148183" y="3416084"/>
+              <a:off x="1148183" y="3416354"/>
               <a:ext cx="186466" cy="81691"/>
             </a:xfrm>
             <a:prstGeom prst="rect">
@@ -7139,7 +7139,7 @@
           </p:nvSpPr>
           <p:spPr>
             <a:xfrm>
-              <a:off x="1148183" y="1718814"/>
+              <a:off x="1148183" y="1718832"/>
               <a:ext cx="186466" cy="81691"/>
             </a:xfrm>
             <a:prstGeom prst="rect">
@@ -7185,7 +7185,7 @@
           </p:nvSpPr>
           <p:spPr>
             <a:xfrm>
-              <a:off x="1362485" y="6852315"/>
+              <a:off x="1362485" y="6853090"/>
               <a:ext cx="34794" cy="0"/>
             </a:xfrm>
             <a:custGeom>
@@ -7225,7 +7225,7 @@
           </p:nvSpPr>
           <p:spPr>
             <a:xfrm>
-              <a:off x="1362485" y="5155045"/>
+              <a:off x="1362485" y="5155568"/>
               <a:ext cx="34794" cy="0"/>
             </a:xfrm>
             <a:custGeom>
@@ -7265,7 +7265,7 @@
           </p:nvSpPr>
           <p:spPr>
             <a:xfrm>
-              <a:off x="1362485" y="3457775"/>
+              <a:off x="1362485" y="3458046"/>
               <a:ext cx="34794" cy="0"/>
             </a:xfrm>
             <a:custGeom>
@@ -7305,7 +7305,7 @@
           </p:nvSpPr>
           <p:spPr>
             <a:xfrm>
-              <a:off x="1362485" y="1760506"/>
+              <a:off x="1362485" y="1760524"/>
               <a:ext cx="34794" cy="0"/>
             </a:xfrm>
             <a:custGeom>

--- a/Images/Figures_PPT/Jitter_Plot_SIN1_All.pptx
+++ b/Images/Figures_PPT/Jitter_Plot_SIN1_All.pptx
@@ -2359,7 +2359,7 @@
           </p:nvSpPr>
           <p:spPr>
             <a:xfrm>
-              <a:off x="1397280" y="6004329"/>
+              <a:off x="1397280" y="6003124"/>
               <a:ext cx="2817450" cy="0"/>
             </a:xfrm>
             <a:custGeom>
@@ -2402,7 +2402,7 @@
           </p:nvSpPr>
           <p:spPr>
             <a:xfrm>
-              <a:off x="1397280" y="4306807"/>
+              <a:off x="1397280" y="4306647"/>
               <a:ext cx="2817450" cy="0"/>
             </a:xfrm>
             <a:custGeom>
@@ -2445,7 +2445,7 @@
           </p:nvSpPr>
           <p:spPr>
             <a:xfrm>
-              <a:off x="1397280" y="2609285"/>
+              <a:off x="1397280" y="2610170"/>
               <a:ext cx="2817450" cy="0"/>
             </a:xfrm>
             <a:custGeom>
@@ -2488,7 +2488,7 @@
           </p:nvSpPr>
           <p:spPr>
             <a:xfrm>
-              <a:off x="1397280" y="6853090"/>
+              <a:off x="1397280" y="6851362"/>
               <a:ext cx="2817450" cy="0"/>
             </a:xfrm>
             <a:custGeom>
@@ -2531,7 +2531,7 @@
           </p:nvSpPr>
           <p:spPr>
             <a:xfrm>
-              <a:off x="1397280" y="5155568"/>
+              <a:off x="1397280" y="5154885"/>
               <a:ext cx="2817450" cy="0"/>
             </a:xfrm>
             <a:custGeom>
@@ -2574,7 +2574,7 @@
           </p:nvSpPr>
           <p:spPr>
             <a:xfrm>
-              <a:off x="1397280" y="3458046"/>
+              <a:off x="1397280" y="3458408"/>
               <a:ext cx="2817450" cy="0"/>
             </a:xfrm>
             <a:custGeom>
@@ -2617,7 +2617,7 @@
           </p:nvSpPr>
           <p:spPr>
             <a:xfrm>
-              <a:off x="1397280" y="1760524"/>
+              <a:off x="1397280" y="1761932"/>
               <a:ext cx="2817450" cy="0"/>
             </a:xfrm>
             <a:custGeom>
@@ -2746,7 +2746,7 @@
           </p:nvSpPr>
           <p:spPr>
             <a:xfrm>
-              <a:off x="2303620" y="3300426"/>
+              <a:off x="1979478" y="3301564"/>
               <a:ext cx="63202" cy="63202"/>
             </a:xfrm>
             <a:custGeom>
@@ -2789,7 +2789,7 @@
           </p:nvSpPr>
           <p:spPr>
             <a:xfrm>
-              <a:off x="1744237" y="3299481"/>
+              <a:off x="2483150" y="3300594"/>
               <a:ext cx="63202" cy="63202"/>
             </a:xfrm>
             <a:custGeom>
@@ -2832,7 +2832,7 @@
           </p:nvSpPr>
           <p:spPr>
             <a:xfrm>
-              <a:off x="1791337" y="3893623"/>
+              <a:off x="2290334" y="3895458"/>
               <a:ext cx="63202" cy="63202"/>
             </a:xfrm>
             <a:custGeom>
@@ -2875,7 +2875,7 @@
           </p:nvSpPr>
           <p:spPr>
             <a:xfrm>
-              <a:off x="2175051" y="3318647"/>
+              <a:off x="2131558" y="3317511"/>
               <a:ext cx="63202" cy="63202"/>
             </a:xfrm>
             <a:custGeom>
@@ -2918,7 +2918,7 @@
           </p:nvSpPr>
           <p:spPr>
             <a:xfrm>
-              <a:off x="2230415" y="3751791"/>
+              <a:off x="1702974" y="3752508"/>
               <a:ext cx="63202" cy="63202"/>
             </a:xfrm>
             <a:custGeom>
@@ -2961,7 +2961,7 @@
           </p:nvSpPr>
           <p:spPr>
             <a:xfrm>
-              <a:off x="2500497" y="3700579"/>
+              <a:off x="2218793" y="3702749"/>
               <a:ext cx="63202" cy="63202"/>
             </a:xfrm>
             <a:custGeom>
@@ -3060,7 +3060,7 @@
           </p:nvSpPr>
           <p:spPr>
             <a:xfrm>
-              <a:off x="4284320" y="6004329"/>
+              <a:off x="4284320" y="6003124"/>
               <a:ext cx="2817450" cy="0"/>
             </a:xfrm>
             <a:custGeom>
@@ -3103,7 +3103,7 @@
           </p:nvSpPr>
           <p:spPr>
             <a:xfrm>
-              <a:off x="4284320" y="4306807"/>
+              <a:off x="4284320" y="4306647"/>
               <a:ext cx="2817450" cy="0"/>
             </a:xfrm>
             <a:custGeom>
@@ -3146,7 +3146,7 @@
           </p:nvSpPr>
           <p:spPr>
             <a:xfrm>
-              <a:off x="4284320" y="2609285"/>
+              <a:off x="4284320" y="2610170"/>
               <a:ext cx="2817450" cy="0"/>
             </a:xfrm>
             <a:custGeom>
@@ -3189,7 +3189,7 @@
           </p:nvSpPr>
           <p:spPr>
             <a:xfrm>
-              <a:off x="4284320" y="6853090"/>
+              <a:off x="4284320" y="6851362"/>
               <a:ext cx="2817450" cy="0"/>
             </a:xfrm>
             <a:custGeom>
@@ -3232,7 +3232,7 @@
           </p:nvSpPr>
           <p:spPr>
             <a:xfrm>
-              <a:off x="4284320" y="5155568"/>
+              <a:off x="4284320" y="5154885"/>
               <a:ext cx="2817450" cy="0"/>
             </a:xfrm>
             <a:custGeom>
@@ -3275,7 +3275,7 @@
           </p:nvSpPr>
           <p:spPr>
             <a:xfrm>
-              <a:off x="4284320" y="3458046"/>
+              <a:off x="4284320" y="3458408"/>
               <a:ext cx="2817450" cy="0"/>
             </a:xfrm>
             <a:custGeom>
@@ -3318,7 +3318,7 @@
           </p:nvSpPr>
           <p:spPr>
             <a:xfrm>
-              <a:off x="4284320" y="1760524"/>
+              <a:off x="4284320" y="1761932"/>
               <a:ext cx="2817450" cy="0"/>
             </a:xfrm>
             <a:custGeom>
@@ -3447,7 +3447,7 @@
           </p:nvSpPr>
           <p:spPr>
             <a:xfrm>
-              <a:off x="5920789" y="6020287"/>
+              <a:off x="6769808" y="6018760"/>
               <a:ext cx="63202" cy="63202"/>
             </a:xfrm>
             <a:custGeom>
@@ -3490,7 +3490,7 @@
           </p:nvSpPr>
           <p:spPr>
             <a:xfrm>
-              <a:off x="5928553" y="5687508"/>
+              <a:off x="5953053" y="5686567"/>
               <a:ext cx="63202" cy="63202"/>
             </a:xfrm>
             <a:custGeom>
@@ -3589,7 +3589,7 @@
           </p:nvSpPr>
           <p:spPr>
             <a:xfrm>
-              <a:off x="7171360" y="6004329"/>
+              <a:off x="7171360" y="6003124"/>
               <a:ext cx="2817450" cy="0"/>
             </a:xfrm>
             <a:custGeom>
@@ -3632,7 +3632,7 @@
           </p:nvSpPr>
           <p:spPr>
             <a:xfrm>
-              <a:off x="7171360" y="4306807"/>
+              <a:off x="7171360" y="4306647"/>
               <a:ext cx="2817450" cy="0"/>
             </a:xfrm>
             <a:custGeom>
@@ -3675,7 +3675,7 @@
           </p:nvSpPr>
           <p:spPr>
             <a:xfrm>
-              <a:off x="7171360" y="2609285"/>
+              <a:off x="7171360" y="2610170"/>
               <a:ext cx="2817450" cy="0"/>
             </a:xfrm>
             <a:custGeom>
@@ -3718,7 +3718,7 @@
           </p:nvSpPr>
           <p:spPr>
             <a:xfrm>
-              <a:off x="7171360" y="6853090"/>
+              <a:off x="7171360" y="6851362"/>
               <a:ext cx="2817450" cy="0"/>
             </a:xfrm>
             <a:custGeom>
@@ -3761,7 +3761,7 @@
           </p:nvSpPr>
           <p:spPr>
             <a:xfrm>
-              <a:off x="7171360" y="5155568"/>
+              <a:off x="7171360" y="5154885"/>
               <a:ext cx="2817450" cy="0"/>
             </a:xfrm>
             <a:custGeom>
@@ -3804,7 +3804,7 @@
           </p:nvSpPr>
           <p:spPr>
             <a:xfrm>
-              <a:off x="7171360" y="3458046"/>
+              <a:off x="7171360" y="3458408"/>
               <a:ext cx="2817450" cy="0"/>
             </a:xfrm>
             <a:custGeom>
@@ -3847,7 +3847,7 @@
           </p:nvSpPr>
           <p:spPr>
             <a:xfrm>
-              <a:off x="7171360" y="1760524"/>
+              <a:off x="7171360" y="1761932"/>
               <a:ext cx="2817450" cy="0"/>
             </a:xfrm>
             <a:custGeom>
@@ -3976,7 +3976,7 @@
           </p:nvSpPr>
           <p:spPr>
             <a:xfrm>
-              <a:off x="7557924" y="2977738"/>
+              <a:off x="8306899" y="2977922"/>
               <a:ext cx="63202" cy="63202"/>
             </a:xfrm>
             <a:custGeom>
@@ -4019,7 +4019,7 @@
           </p:nvSpPr>
           <p:spPr>
             <a:xfrm>
-              <a:off x="7601507" y="3246587"/>
+              <a:off x="8271098" y="3247674"/>
               <a:ext cx="63202" cy="63202"/>
             </a:xfrm>
             <a:custGeom>
@@ -4062,7 +4062,7 @@
           </p:nvSpPr>
           <p:spPr>
             <a:xfrm>
-              <a:off x="9264848" y="6634049"/>
+              <a:off x="9689734" y="6634049"/>
               <a:ext cx="63202" cy="63202"/>
             </a:xfrm>
             <a:custGeom>
@@ -4105,7 +4105,7 @@
           </p:nvSpPr>
           <p:spPr>
             <a:xfrm>
-              <a:off x="9222162" y="6466341"/>
+              <a:off x="9027267" y="6463045"/>
               <a:ext cx="63202" cy="63202"/>
             </a:xfrm>
             <a:custGeom>
@@ -4148,7 +4148,7 @@
           </p:nvSpPr>
           <p:spPr>
             <a:xfrm>
-              <a:off x="9046499" y="5162592"/>
+              <a:off x="8957167" y="5159307"/>
               <a:ext cx="63202" cy="63202"/>
             </a:xfrm>
             <a:custGeom>
@@ -4191,7 +4191,7 @@
           </p:nvSpPr>
           <p:spPr>
             <a:xfrm>
-              <a:off x="7662059" y="3422250"/>
+              <a:off x="7444940" y="3422152"/>
               <a:ext cx="63202" cy="63202"/>
             </a:xfrm>
             <a:custGeom>
@@ -4234,7 +4234,7 @@
           </p:nvSpPr>
           <p:spPr>
             <a:xfrm>
-              <a:off x="9520236" y="6146384"/>
+              <a:off x="9205914" y="6144690"/>
               <a:ext cx="63202" cy="63202"/>
             </a:xfrm>
             <a:custGeom>
@@ -4277,7 +4277,7 @@
           </p:nvSpPr>
           <p:spPr>
             <a:xfrm>
-              <a:off x="9612455" y="5781539"/>
+              <a:off x="9633778" y="5781139"/>
               <a:ext cx="63202" cy="63202"/>
             </a:xfrm>
             <a:custGeom>
@@ -4320,7 +4320,7 @@
           </p:nvSpPr>
           <p:spPr>
             <a:xfrm>
-              <a:off x="8263682" y="4652450"/>
+              <a:off x="7893866" y="4653002"/>
               <a:ext cx="63202" cy="63202"/>
             </a:xfrm>
             <a:custGeom>
@@ -4363,7 +4363,7 @@
           </p:nvSpPr>
           <p:spPr>
             <a:xfrm>
-              <a:off x="8146336" y="2279289"/>
+              <a:off x="7520434" y="2279936"/>
               <a:ext cx="63202" cy="63202"/>
             </a:xfrm>
             <a:custGeom>
@@ -4406,7 +4406,7 @@
           </p:nvSpPr>
           <p:spPr>
             <a:xfrm>
-              <a:off x="7452380" y="2880259"/>
+              <a:off x="8304902" y="2880294"/>
               <a:ext cx="63202" cy="63202"/>
             </a:xfrm>
             <a:custGeom>
@@ -4449,7 +4449,7 @@
           </p:nvSpPr>
           <p:spPr>
             <a:xfrm>
-              <a:off x="7890973" y="2465488"/>
+              <a:off x="7703715" y="2466065"/>
               <a:ext cx="63202" cy="63202"/>
             </a:xfrm>
             <a:custGeom>
@@ -4492,7 +4492,7 @@
           </p:nvSpPr>
           <p:spPr>
             <a:xfrm>
-              <a:off x="7619753" y="4717270"/>
+              <a:off x="7732256" y="4715876"/>
               <a:ext cx="63202" cy="63202"/>
             </a:xfrm>
             <a:custGeom>
@@ -4535,7 +4535,7 @@
           </p:nvSpPr>
           <p:spPr>
             <a:xfrm>
-              <a:off x="8200947" y="2577661"/>
+              <a:off x="7987238" y="2578066"/>
               <a:ext cx="63202" cy="63202"/>
             </a:xfrm>
             <a:custGeom>
@@ -4578,7 +4578,7 @@
           </p:nvSpPr>
           <p:spPr>
             <a:xfrm>
-              <a:off x="7880380" y="2239124"/>
+              <a:off x="7514397" y="2238246"/>
               <a:ext cx="63202" cy="63202"/>
             </a:xfrm>
             <a:custGeom>
@@ -4621,7 +4621,7 @@
           </p:nvSpPr>
           <p:spPr>
             <a:xfrm>
-              <a:off x="7793902" y="2239015"/>
+              <a:off x="8183167" y="2238898"/>
               <a:ext cx="63202" cy="63202"/>
             </a:xfrm>
             <a:custGeom>
@@ -4664,7 +4664,7 @@
           </p:nvSpPr>
           <p:spPr>
             <a:xfrm>
-              <a:off x="7401838" y="2236970"/>
+              <a:off x="8243867" y="2238223"/>
               <a:ext cx="63202" cy="63202"/>
             </a:xfrm>
             <a:custGeom>
@@ -4707,7 +4707,7 @@
           </p:nvSpPr>
           <p:spPr>
             <a:xfrm>
-              <a:off x="7656121" y="2237271"/>
+              <a:off x="8338507" y="2238969"/>
               <a:ext cx="63202" cy="63202"/>
             </a:xfrm>
             <a:custGeom>
@@ -4750,7 +4750,7 @@
           </p:nvSpPr>
           <p:spPr>
             <a:xfrm>
-              <a:off x="7414279" y="2239533"/>
+              <a:off x="8100964" y="2239013"/>
               <a:ext cx="63202" cy="63202"/>
             </a:xfrm>
             <a:custGeom>
@@ -4793,7 +4793,7 @@
           </p:nvSpPr>
           <p:spPr>
             <a:xfrm>
-              <a:off x="7674674" y="4839540"/>
+              <a:off x="7750480" y="4837164"/>
               <a:ext cx="63202" cy="63202"/>
             </a:xfrm>
             <a:custGeom>
@@ -4836,7 +4836,7 @@
           </p:nvSpPr>
           <p:spPr>
             <a:xfrm>
-              <a:off x="7883579" y="4497111"/>
+              <a:off x="8384407" y="4495202"/>
               <a:ext cx="63202" cy="63202"/>
             </a:xfrm>
             <a:custGeom>
@@ -4879,7 +4879,7 @@
           </p:nvSpPr>
           <p:spPr>
             <a:xfrm>
-              <a:off x="7432661" y="2577912"/>
+              <a:off x="7496441" y="2579349"/>
               <a:ext cx="63202" cy="63202"/>
             </a:xfrm>
             <a:custGeom>
@@ -4922,7 +4922,7 @@
           </p:nvSpPr>
           <p:spPr>
             <a:xfrm>
-              <a:off x="7569711" y="3350843"/>
+              <a:off x="7637822" y="3351335"/>
               <a:ext cx="63202" cy="63202"/>
             </a:xfrm>
             <a:custGeom>
@@ -4965,7 +4965,7 @@
           </p:nvSpPr>
           <p:spPr>
             <a:xfrm>
-              <a:off x="7979929" y="3205280"/>
+              <a:off x="8111303" y="3205281"/>
               <a:ext cx="63202" cy="63202"/>
             </a:xfrm>
             <a:custGeom>
@@ -5008,7 +5008,7 @@
           </p:nvSpPr>
           <p:spPr>
             <a:xfrm>
-              <a:off x="8358764" y="4933916"/>
+              <a:off x="7553135" y="4934636"/>
               <a:ext cx="63202" cy="63202"/>
             </a:xfrm>
             <a:custGeom>
@@ -5051,7 +5051,7 @@
           </p:nvSpPr>
           <p:spPr>
             <a:xfrm>
-              <a:off x="7897910" y="4553845"/>
+              <a:off x="7529300" y="4552889"/>
               <a:ext cx="63202" cy="63202"/>
             </a:xfrm>
             <a:custGeom>
@@ -5094,7 +5094,7 @@
           </p:nvSpPr>
           <p:spPr>
             <a:xfrm>
-              <a:off x="8957091" y="5118288"/>
+              <a:off x="9699362" y="5115575"/>
               <a:ext cx="63202" cy="63202"/>
             </a:xfrm>
             <a:custGeom>
@@ -5137,7 +5137,7 @@
           </p:nvSpPr>
           <p:spPr>
             <a:xfrm>
-              <a:off x="7465966" y="2039114"/>
+              <a:off x="8290953" y="2039762"/>
               <a:ext cx="63202" cy="63202"/>
             </a:xfrm>
             <a:custGeom>
@@ -5180,7 +5180,7 @@
           </p:nvSpPr>
           <p:spPr>
             <a:xfrm>
-              <a:off x="7419450" y="3128111"/>
+              <a:off x="7400478" y="3127782"/>
               <a:ext cx="63202" cy="63202"/>
             </a:xfrm>
             <a:custGeom>
@@ -5223,7 +5223,7 @@
           </p:nvSpPr>
           <p:spPr>
             <a:xfrm>
-              <a:off x="8401940" y="3440448"/>
+              <a:off x="7567324" y="3440846"/>
               <a:ext cx="63202" cy="63202"/>
             </a:xfrm>
             <a:custGeom>
@@ -5266,7 +5266,7 @@
           </p:nvSpPr>
           <p:spPr>
             <a:xfrm>
-              <a:off x="8121036" y="4505729"/>
+              <a:off x="7779599" y="4505001"/>
               <a:ext cx="63202" cy="63202"/>
             </a:xfrm>
             <a:custGeom>
@@ -5309,7 +5309,7 @@
           </p:nvSpPr>
           <p:spPr>
             <a:xfrm>
-              <a:off x="8266484" y="2408767"/>
+              <a:off x="7727977" y="2409212"/>
               <a:ext cx="63202" cy="63202"/>
             </a:xfrm>
             <a:custGeom>
@@ -5352,7 +5352,7 @@
           </p:nvSpPr>
           <p:spPr>
             <a:xfrm>
-              <a:off x="7402255" y="2276196"/>
+              <a:off x="8401079" y="2277212"/>
               <a:ext cx="63202" cy="63202"/>
             </a:xfrm>
             <a:custGeom>
@@ -5395,7 +5395,7 @@
           </p:nvSpPr>
           <p:spPr>
             <a:xfrm>
-              <a:off x="7629834" y="3562978"/>
+              <a:off x="7972058" y="3562793"/>
               <a:ext cx="63202" cy="63202"/>
             </a:xfrm>
             <a:custGeom>
@@ -5438,7 +5438,7 @@
           </p:nvSpPr>
           <p:spPr>
             <a:xfrm>
-              <a:off x="7543887" y="4523902"/>
+              <a:off x="8360115" y="4522030"/>
               <a:ext cx="63202" cy="63202"/>
             </a:xfrm>
             <a:custGeom>
@@ -5481,7 +5481,7 @@
           </p:nvSpPr>
           <p:spPr>
             <a:xfrm>
-              <a:off x="7901922" y="2160568"/>
+              <a:off x="7643369" y="2161069"/>
               <a:ext cx="63202" cy="63202"/>
             </a:xfrm>
             <a:custGeom>
@@ -5524,7 +5524,7 @@
           </p:nvSpPr>
           <p:spPr>
             <a:xfrm>
-              <a:off x="8058978" y="2472697"/>
+              <a:off x="7672928" y="2472373"/>
               <a:ext cx="63202" cy="63202"/>
             </a:xfrm>
             <a:custGeom>
@@ -5567,7 +5567,7 @@
           </p:nvSpPr>
           <p:spPr>
             <a:xfrm>
-              <a:off x="7675830" y="2085264"/>
+              <a:off x="8246372" y="2086078"/>
               <a:ext cx="63202" cy="63202"/>
             </a:xfrm>
             <a:custGeom>
@@ -5610,7 +5610,7 @@
           </p:nvSpPr>
           <p:spPr>
             <a:xfrm>
-              <a:off x="8166518" y="2470268"/>
+              <a:off x="8078407" y="2469569"/>
               <a:ext cx="63202" cy="63202"/>
             </a:xfrm>
             <a:custGeom>
@@ -5653,7 +5653,7 @@
           </p:nvSpPr>
           <p:spPr>
             <a:xfrm>
-              <a:off x="8286505" y="2034592"/>
+              <a:off x="8089607" y="2036113"/>
               <a:ext cx="63202" cy="63202"/>
             </a:xfrm>
             <a:custGeom>
@@ -5696,7 +5696,7 @@
           </p:nvSpPr>
           <p:spPr>
             <a:xfrm>
-              <a:off x="7751014" y="2742929"/>
+              <a:off x="7625967" y="2745491"/>
               <a:ext cx="63202" cy="63202"/>
             </a:xfrm>
             <a:custGeom>
@@ -5739,7 +5739,7 @@
           </p:nvSpPr>
           <p:spPr>
             <a:xfrm>
-              <a:off x="7502446" y="1641734"/>
+              <a:off x="8291898" y="1641734"/>
               <a:ext cx="63202" cy="63202"/>
             </a:xfrm>
             <a:custGeom>
@@ -5782,7 +5782,7 @@
           </p:nvSpPr>
           <p:spPr>
             <a:xfrm>
-              <a:off x="8303475" y="3232050"/>
+              <a:off x="7712600" y="3232687"/>
               <a:ext cx="63202" cy="63202"/>
             </a:xfrm>
             <a:custGeom>
@@ -5825,7 +5825,7 @@
           </p:nvSpPr>
           <p:spPr>
             <a:xfrm>
-              <a:off x="7483222" y="2629212"/>
+              <a:off x="7807989" y="2630372"/>
               <a:ext cx="63202" cy="63202"/>
             </a:xfrm>
             <a:custGeom>
@@ -5868,7 +5868,7 @@
           </p:nvSpPr>
           <p:spPr>
             <a:xfrm>
-              <a:off x="7459267" y="2510920"/>
+              <a:off x="8130413" y="2511742"/>
               <a:ext cx="63202" cy="63202"/>
             </a:xfrm>
             <a:custGeom>
@@ -5911,7 +5911,7 @@
           </p:nvSpPr>
           <p:spPr>
             <a:xfrm>
-              <a:off x="7935352" y="2725794"/>
+              <a:off x="7934852" y="2728113"/>
               <a:ext cx="63202" cy="63202"/>
             </a:xfrm>
             <a:custGeom>
@@ -5954,7 +5954,7 @@
           </p:nvSpPr>
           <p:spPr>
             <a:xfrm>
-              <a:off x="8073657" y="3219800"/>
+              <a:off x="7556633" y="3220673"/>
               <a:ext cx="63202" cy="63202"/>
             </a:xfrm>
             <a:custGeom>
@@ -5997,7 +5997,7 @@
           </p:nvSpPr>
           <p:spPr>
             <a:xfrm>
-              <a:off x="7841660" y="2943000"/>
+              <a:off x="7834274" y="2944858"/>
               <a:ext cx="63202" cy="63202"/>
             </a:xfrm>
             <a:custGeom>
@@ -6040,7 +6040,7 @@
           </p:nvSpPr>
           <p:spPr>
             <a:xfrm>
-              <a:off x="7817992" y="3094135"/>
+              <a:off x="7597980" y="3094642"/>
               <a:ext cx="63202" cy="63202"/>
             </a:xfrm>
             <a:custGeom>
@@ -6083,7 +6083,7 @@
           </p:nvSpPr>
           <p:spPr>
             <a:xfrm>
-              <a:off x="7443971" y="3008992"/>
+              <a:off x="7865491" y="3009771"/>
               <a:ext cx="63202" cy="63202"/>
             </a:xfrm>
             <a:custGeom>
@@ -6126,7 +6126,7 @@
           </p:nvSpPr>
           <p:spPr>
             <a:xfrm>
-              <a:off x="7853967" y="3294763"/>
+              <a:off x="8218084" y="3294431"/>
               <a:ext cx="63202" cy="63202"/>
             </a:xfrm>
             <a:custGeom>
@@ -6169,7 +6169,7 @@
           </p:nvSpPr>
           <p:spPr>
             <a:xfrm>
-              <a:off x="7703192" y="3775639"/>
+              <a:off x="7519407" y="3776606"/>
               <a:ext cx="63202" cy="63202"/>
             </a:xfrm>
             <a:custGeom>
@@ -7001,7 +7001,7 @@
           </p:nvSpPr>
           <p:spPr>
             <a:xfrm>
-              <a:off x="1148183" y="6811398"/>
+              <a:off x="1148183" y="6809670"/>
               <a:ext cx="186466" cy="81691"/>
             </a:xfrm>
             <a:prstGeom prst="rect">
@@ -7047,7 +7047,7 @@
           </p:nvSpPr>
           <p:spPr>
             <a:xfrm>
-              <a:off x="1148183" y="5113876"/>
+              <a:off x="1148183" y="5113194"/>
               <a:ext cx="186466" cy="81691"/>
             </a:xfrm>
             <a:prstGeom prst="rect">
@@ -7093,7 +7093,7 @@
           </p:nvSpPr>
           <p:spPr>
             <a:xfrm>
-              <a:off x="1148183" y="3416354"/>
+              <a:off x="1148183" y="3416717"/>
               <a:ext cx="186466" cy="81691"/>
             </a:xfrm>
             <a:prstGeom prst="rect">
@@ -7139,7 +7139,7 @@
           </p:nvSpPr>
           <p:spPr>
             <a:xfrm>
-              <a:off x="1148183" y="1718832"/>
+              <a:off x="1148183" y="1720240"/>
               <a:ext cx="186466" cy="81691"/>
             </a:xfrm>
             <a:prstGeom prst="rect">
@@ -7185,7 +7185,7 @@
           </p:nvSpPr>
           <p:spPr>
             <a:xfrm>
-              <a:off x="1362485" y="6853090"/>
+              <a:off x="1362485" y="6851362"/>
               <a:ext cx="34794" cy="0"/>
             </a:xfrm>
             <a:custGeom>
@@ -7225,7 +7225,7 @@
           </p:nvSpPr>
           <p:spPr>
             <a:xfrm>
-              <a:off x="1362485" y="5155568"/>
+              <a:off x="1362485" y="5154885"/>
               <a:ext cx="34794" cy="0"/>
             </a:xfrm>
             <a:custGeom>
@@ -7265,7 +7265,7 @@
           </p:nvSpPr>
           <p:spPr>
             <a:xfrm>
-              <a:off x="1362485" y="3458046"/>
+              <a:off x="1362485" y="3458408"/>
               <a:ext cx="34794" cy="0"/>
             </a:xfrm>
             <a:custGeom>
@@ -7305,7 +7305,7 @@
           </p:nvSpPr>
           <p:spPr>
             <a:xfrm>
-              <a:off x="1362485" y="1760524"/>
+              <a:off x="1362485" y="1761932"/>
               <a:ext cx="34794" cy="0"/>
             </a:xfrm>
             <a:custGeom>

--- a/Images/Figures_PPT/Jitter_Plot_SIN1_All.pptx
+++ b/Images/Figures_PPT/Jitter_Plot_SIN1_All.pptx
@@ -2359,7 +2359,7 @@
           </p:nvSpPr>
           <p:spPr>
             <a:xfrm>
-              <a:off x="1397280" y="6003124"/>
+              <a:off x="1397280" y="6003753"/>
               <a:ext cx="2817450" cy="0"/>
             </a:xfrm>
             <a:custGeom>
@@ -2402,7 +2402,7 @@
           </p:nvSpPr>
           <p:spPr>
             <a:xfrm>
-              <a:off x="1397280" y="4306647"/>
+              <a:off x="1397280" y="4306561"/>
               <a:ext cx="2817450" cy="0"/>
             </a:xfrm>
             <a:custGeom>
@@ -2445,7 +2445,7 @@
           </p:nvSpPr>
           <p:spPr>
             <a:xfrm>
-              <a:off x="1397280" y="2610170"/>
+              <a:off x="1397280" y="2609368"/>
               <a:ext cx="2817450" cy="0"/>
             </a:xfrm>
             <a:custGeom>
@@ -2488,7 +2488,7 @@
           </p:nvSpPr>
           <p:spPr>
             <a:xfrm>
-              <a:off x="1397280" y="6851362"/>
+              <a:off x="1397280" y="6852349"/>
               <a:ext cx="2817450" cy="0"/>
             </a:xfrm>
             <a:custGeom>
@@ -2531,7 +2531,7 @@
           </p:nvSpPr>
           <p:spPr>
             <a:xfrm>
-              <a:off x="1397280" y="5154885"/>
+              <a:off x="1397280" y="5155157"/>
               <a:ext cx="2817450" cy="0"/>
             </a:xfrm>
             <a:custGeom>
@@ -2574,7 +2574,7 @@
           </p:nvSpPr>
           <p:spPr>
             <a:xfrm>
-              <a:off x="1397280" y="3458408"/>
+              <a:off x="1397280" y="3457965"/>
               <a:ext cx="2817450" cy="0"/>
             </a:xfrm>
             <a:custGeom>
@@ -2617,7 +2617,7 @@
           </p:nvSpPr>
           <p:spPr>
             <a:xfrm>
-              <a:off x="1397280" y="1761932"/>
+              <a:off x="1397280" y="1760772"/>
               <a:ext cx="2817450" cy="0"/>
             </a:xfrm>
             <a:custGeom>
@@ -2746,7 +2746,7 @@
           </p:nvSpPr>
           <p:spPr>
             <a:xfrm>
-              <a:off x="1979478" y="3301564"/>
+              <a:off x="2423443" y="3299618"/>
               <a:ext cx="63202" cy="63202"/>
             </a:xfrm>
             <a:custGeom>
@@ -2789,7 +2789,7 @@
           </p:nvSpPr>
           <p:spPr>
             <a:xfrm>
-              <a:off x="2483150" y="3300594"/>
+              <a:off x="2253075" y="3299466"/>
               <a:ext cx="63202" cy="63202"/>
             </a:xfrm>
             <a:custGeom>
@@ -2832,7 +2832,7 @@
           </p:nvSpPr>
           <p:spPr>
             <a:xfrm>
-              <a:off x="2290334" y="3895458"/>
+              <a:off x="2318892" y="3893637"/>
               <a:ext cx="63202" cy="63202"/>
             </a:xfrm>
             <a:custGeom>
@@ -2875,7 +2875,7 @@
           </p:nvSpPr>
           <p:spPr>
             <a:xfrm>
-              <a:off x="2131558" y="3317511"/>
+              <a:off x="2604626" y="3317827"/>
               <a:ext cx="63202" cy="63202"/>
             </a:xfrm>
             <a:custGeom>
@@ -2918,7 +2918,7 @@
           </p:nvSpPr>
           <p:spPr>
             <a:xfrm>
-              <a:off x="1702974" y="3752508"/>
+              <a:off x="2135399" y="3752547"/>
               <a:ext cx="63202" cy="63202"/>
             </a:xfrm>
             <a:custGeom>
@@ -2961,7 +2961,7 @@
           </p:nvSpPr>
           <p:spPr>
             <a:xfrm>
-              <a:off x="2218793" y="3702749"/>
+              <a:off x="1896327" y="3701760"/>
               <a:ext cx="63202" cy="63202"/>
             </a:xfrm>
             <a:custGeom>
@@ -3060,7 +3060,7 @@
           </p:nvSpPr>
           <p:spPr>
             <a:xfrm>
-              <a:off x="4284320" y="6003124"/>
+              <a:off x="4284320" y="6003753"/>
               <a:ext cx="2817450" cy="0"/>
             </a:xfrm>
             <a:custGeom>
@@ -3103,7 +3103,7 @@
           </p:nvSpPr>
           <p:spPr>
             <a:xfrm>
-              <a:off x="4284320" y="4306647"/>
+              <a:off x="4284320" y="4306561"/>
               <a:ext cx="2817450" cy="0"/>
             </a:xfrm>
             <a:custGeom>
@@ -3146,7 +3146,7 @@
           </p:nvSpPr>
           <p:spPr>
             <a:xfrm>
-              <a:off x="4284320" y="2610170"/>
+              <a:off x="4284320" y="2609368"/>
               <a:ext cx="2817450" cy="0"/>
             </a:xfrm>
             <a:custGeom>
@@ -3189,7 +3189,7 @@
           </p:nvSpPr>
           <p:spPr>
             <a:xfrm>
-              <a:off x="4284320" y="6851362"/>
+              <a:off x="4284320" y="6852349"/>
               <a:ext cx="2817450" cy="0"/>
             </a:xfrm>
             <a:custGeom>
@@ -3232,7 +3232,7 @@
           </p:nvSpPr>
           <p:spPr>
             <a:xfrm>
-              <a:off x="4284320" y="5154885"/>
+              <a:off x="4284320" y="5155157"/>
               <a:ext cx="2817450" cy="0"/>
             </a:xfrm>
             <a:custGeom>
@@ -3275,7 +3275,7 @@
           </p:nvSpPr>
           <p:spPr>
             <a:xfrm>
-              <a:off x="4284320" y="3458408"/>
+              <a:off x="4284320" y="3457965"/>
               <a:ext cx="2817450" cy="0"/>
             </a:xfrm>
             <a:custGeom>
@@ -3318,7 +3318,7 @@
           </p:nvSpPr>
           <p:spPr>
             <a:xfrm>
-              <a:off x="4284320" y="1761932"/>
+              <a:off x="4284320" y="1760772"/>
               <a:ext cx="2817450" cy="0"/>
             </a:xfrm>
             <a:custGeom>
@@ -3447,7 +3447,7 @@
           </p:nvSpPr>
           <p:spPr>
             <a:xfrm>
-              <a:off x="6769808" y="6018760"/>
+              <a:off x="5923627" y="6020770"/>
               <a:ext cx="63202" cy="63202"/>
             </a:xfrm>
             <a:custGeom>
@@ -3490,7 +3490,7 @@
           </p:nvSpPr>
           <p:spPr>
             <a:xfrm>
-              <a:off x="5953053" y="5686567"/>
+              <a:off x="6660827" y="5686827"/>
               <a:ext cx="63202" cy="63202"/>
             </a:xfrm>
             <a:custGeom>
@@ -3589,7 +3589,7 @@
           </p:nvSpPr>
           <p:spPr>
             <a:xfrm>
-              <a:off x="7171360" y="6003124"/>
+              <a:off x="7171360" y="6003753"/>
               <a:ext cx="2817450" cy="0"/>
             </a:xfrm>
             <a:custGeom>
@@ -3632,7 +3632,7 @@
           </p:nvSpPr>
           <p:spPr>
             <a:xfrm>
-              <a:off x="7171360" y="4306647"/>
+              <a:off x="7171360" y="4306561"/>
               <a:ext cx="2817450" cy="0"/>
             </a:xfrm>
             <a:custGeom>
@@ -3675,7 +3675,7 @@
           </p:nvSpPr>
           <p:spPr>
             <a:xfrm>
-              <a:off x="7171360" y="2610170"/>
+              <a:off x="7171360" y="2609368"/>
               <a:ext cx="2817450" cy="0"/>
             </a:xfrm>
             <a:custGeom>
@@ -3718,7 +3718,7 @@
           </p:nvSpPr>
           <p:spPr>
             <a:xfrm>
-              <a:off x="7171360" y="6851362"/>
+              <a:off x="7171360" y="6852349"/>
               <a:ext cx="2817450" cy="0"/>
             </a:xfrm>
             <a:custGeom>
@@ -3761,7 +3761,7 @@
           </p:nvSpPr>
           <p:spPr>
             <a:xfrm>
-              <a:off x="7171360" y="5154885"/>
+              <a:off x="7171360" y="5155157"/>
               <a:ext cx="2817450" cy="0"/>
             </a:xfrm>
             <a:custGeom>
@@ -3804,7 +3804,7 @@
           </p:nvSpPr>
           <p:spPr>
             <a:xfrm>
-              <a:off x="7171360" y="3458408"/>
+              <a:off x="7171360" y="3457965"/>
               <a:ext cx="2817450" cy="0"/>
             </a:xfrm>
             <a:custGeom>
@@ -3847,7 +3847,7 @@
           </p:nvSpPr>
           <p:spPr>
             <a:xfrm>
-              <a:off x="7171360" y="1761932"/>
+              <a:off x="7171360" y="1760772"/>
               <a:ext cx="2817450" cy="0"/>
             </a:xfrm>
             <a:custGeom>
@@ -3976,7 +3976,7 @@
           </p:nvSpPr>
           <p:spPr>
             <a:xfrm>
-              <a:off x="8306899" y="2977922"/>
+              <a:off x="7453217" y="2978404"/>
               <a:ext cx="63202" cy="63202"/>
             </a:xfrm>
             <a:custGeom>
@@ -4019,7 +4019,7 @@
           </p:nvSpPr>
           <p:spPr>
             <a:xfrm>
-              <a:off x="8271098" y="3247674"/>
+              <a:off x="7853039" y="3246830"/>
               <a:ext cx="63202" cy="63202"/>
             </a:xfrm>
             <a:custGeom>
@@ -4062,7 +4062,7 @@
           </p:nvSpPr>
           <p:spPr>
             <a:xfrm>
-              <a:off x="9689734" y="6634049"/>
+              <a:off x="8680681" y="6634049"/>
               <a:ext cx="63202" cy="63202"/>
             </a:xfrm>
             <a:custGeom>
@@ -4105,7 +4105,7 @@
           </p:nvSpPr>
           <p:spPr>
             <a:xfrm>
-              <a:off x="9027267" y="6463045"/>
+              <a:off x="9380955" y="6463806"/>
               <a:ext cx="63202" cy="63202"/>
             </a:xfrm>
             <a:custGeom>
@@ -4148,7 +4148,7 @@
           </p:nvSpPr>
           <p:spPr>
             <a:xfrm>
-              <a:off x="8957167" y="5159307"/>
+              <a:off x="9627766" y="5159595"/>
               <a:ext cx="63202" cy="63202"/>
             </a:xfrm>
             <a:custGeom>
@@ -4191,7 +4191,7 @@
           </p:nvSpPr>
           <p:spPr>
             <a:xfrm>
-              <a:off x="7444940" y="3422152"/>
+              <a:off x="7624975" y="3423975"/>
               <a:ext cx="63202" cy="63202"/>
             </a:xfrm>
             <a:custGeom>
@@ -4234,7 +4234,7 @@
           </p:nvSpPr>
           <p:spPr>
             <a:xfrm>
-              <a:off x="9205914" y="6144690"/>
+              <a:off x="8833816" y="6144943"/>
               <a:ext cx="63202" cy="63202"/>
             </a:xfrm>
             <a:custGeom>
@@ -4277,7 +4277,7 @@
           </p:nvSpPr>
           <p:spPr>
             <a:xfrm>
-              <a:off x="9633778" y="5781139"/>
+              <a:off x="8929301" y="5782988"/>
               <a:ext cx="63202" cy="63202"/>
             </a:xfrm>
             <a:custGeom>
@@ -4320,7 +4320,7 @@
           </p:nvSpPr>
           <p:spPr>
             <a:xfrm>
-              <a:off x="7893866" y="4653002"/>
+              <a:off x="7490425" y="4650846"/>
               <a:ext cx="63202" cy="63202"/>
             </a:xfrm>
             <a:custGeom>
@@ -4363,7 +4363,7 @@
           </p:nvSpPr>
           <p:spPr>
             <a:xfrm>
-              <a:off x="7520434" y="2279936"/>
+              <a:off x="8357919" y="2278102"/>
               <a:ext cx="63202" cy="63202"/>
             </a:xfrm>
             <a:custGeom>
@@ -4406,7 +4406,7 @@
           </p:nvSpPr>
           <p:spPr>
             <a:xfrm>
-              <a:off x="8304902" y="2880294"/>
+              <a:off x="8082146" y="2880590"/>
               <a:ext cx="63202" cy="63202"/>
             </a:xfrm>
             <a:custGeom>
@@ -4449,7 +4449,7 @@
           </p:nvSpPr>
           <p:spPr>
             <a:xfrm>
-              <a:off x="7703715" y="2466065"/>
+              <a:off x="7851440" y="2465416"/>
               <a:ext cx="63202" cy="63202"/>
             </a:xfrm>
             <a:custGeom>
@@ -4492,7 +4492,7 @@
           </p:nvSpPr>
           <p:spPr>
             <a:xfrm>
-              <a:off x="7732256" y="4715876"/>
+              <a:off x="7753683" y="4717065"/>
               <a:ext cx="63202" cy="63202"/>
             </a:xfrm>
             <a:custGeom>
@@ -4535,7 +4535,7 @@
           </p:nvSpPr>
           <p:spPr>
             <a:xfrm>
-              <a:off x="7987238" y="2578066"/>
+              <a:off x="7635074" y="2576424"/>
               <a:ext cx="63202" cy="63202"/>
             </a:xfrm>
             <a:custGeom>
@@ -4578,7 +4578,7 @@
           </p:nvSpPr>
           <p:spPr>
             <a:xfrm>
-              <a:off x="7514397" y="2238246"/>
+              <a:off x="7495520" y="2237588"/>
               <a:ext cx="63202" cy="63202"/>
             </a:xfrm>
             <a:custGeom>
@@ -4621,7 +4621,7 @@
           </p:nvSpPr>
           <p:spPr>
             <a:xfrm>
-              <a:off x="8183167" y="2238898"/>
+              <a:off x="8119002" y="2238840"/>
               <a:ext cx="63202" cy="63202"/>
             </a:xfrm>
             <a:custGeom>
@@ -4664,7 +4664,7 @@
           </p:nvSpPr>
           <p:spPr>
             <a:xfrm>
-              <a:off x="8243867" y="2238223"/>
+              <a:off x="8238462" y="2238572"/>
               <a:ext cx="63202" cy="63202"/>
             </a:xfrm>
             <a:custGeom>
@@ -4707,7 +4707,7 @@
           </p:nvSpPr>
           <p:spPr>
             <a:xfrm>
-              <a:off x="8338507" y="2238969"/>
+              <a:off x="8273837" y="2238763"/>
               <a:ext cx="63202" cy="63202"/>
             </a:xfrm>
             <a:custGeom>
@@ -4750,7 +4750,7 @@
           </p:nvSpPr>
           <p:spPr>
             <a:xfrm>
-              <a:off x="8100964" y="2239013"/>
+              <a:off x="7864554" y="2239044"/>
               <a:ext cx="63202" cy="63202"/>
             </a:xfrm>
             <a:custGeom>
@@ -4793,7 +4793,7 @@
           </p:nvSpPr>
           <p:spPr>
             <a:xfrm>
-              <a:off x="7750480" y="4837164"/>
+              <a:off x="7592628" y="4838108"/>
               <a:ext cx="63202" cy="63202"/>
             </a:xfrm>
             <a:custGeom>
@@ -4836,7 +4836,7 @@
           </p:nvSpPr>
           <p:spPr>
             <a:xfrm>
-              <a:off x="8384407" y="4495202"/>
+              <a:off x="8060440" y="4495445"/>
               <a:ext cx="63202" cy="63202"/>
             </a:xfrm>
             <a:custGeom>
@@ -4879,7 +4879,7 @@
           </p:nvSpPr>
           <p:spPr>
             <a:xfrm>
-              <a:off x="7496441" y="2579349"/>
+              <a:off x="7558456" y="2577780"/>
               <a:ext cx="63202" cy="63202"/>
             </a:xfrm>
             <a:custGeom>
@@ -4922,7 +4922,7 @@
           </p:nvSpPr>
           <p:spPr>
             <a:xfrm>
-              <a:off x="7637822" y="3351335"/>
+              <a:off x="8036921" y="3351233"/>
               <a:ext cx="63202" cy="63202"/>
             </a:xfrm>
             <a:custGeom>
@@ -4965,7 +4965,7 @@
           </p:nvSpPr>
           <p:spPr>
             <a:xfrm>
-              <a:off x="8111303" y="3205281"/>
+              <a:off x="8322289" y="3204623"/>
               <a:ext cx="63202" cy="63202"/>
             </a:xfrm>
             <a:custGeom>
@@ -5008,7 +5008,7 @@
           </p:nvSpPr>
           <p:spPr>
             <a:xfrm>
-              <a:off x="7553135" y="4934636"/>
+              <a:off x="7592370" y="4932255"/>
               <a:ext cx="63202" cy="63202"/>
             </a:xfrm>
             <a:custGeom>
@@ -5051,7 +5051,7 @@
           </p:nvSpPr>
           <p:spPr>
             <a:xfrm>
-              <a:off x="7529300" y="4552889"/>
+              <a:off x="7529331" y="4554218"/>
               <a:ext cx="63202" cy="63202"/>
             </a:xfrm>
             <a:custGeom>
@@ -5094,7 +5094,7 @@
           </p:nvSpPr>
           <p:spPr>
             <a:xfrm>
-              <a:off x="9699362" y="5115575"/>
+              <a:off x="8781192" y="5117024"/>
               <a:ext cx="63202" cy="63202"/>
             </a:xfrm>
             <a:custGeom>
@@ -5137,7 +5137,7 @@
           </p:nvSpPr>
           <p:spPr>
             <a:xfrm>
-              <a:off x="8290953" y="2039762"/>
+              <a:off x="8353395" y="2038602"/>
               <a:ext cx="63202" cy="63202"/>
             </a:xfrm>
             <a:custGeom>
@@ -5180,7 +5180,7 @@
           </p:nvSpPr>
           <p:spPr>
             <a:xfrm>
-              <a:off x="7400478" y="3127782"/>
+              <a:off x="7737763" y="3127002"/>
               <a:ext cx="63202" cy="63202"/>
             </a:xfrm>
             <a:custGeom>
@@ -5223,7 +5223,7 @@
           </p:nvSpPr>
           <p:spPr>
             <a:xfrm>
-              <a:off x="7567324" y="3440846"/>
+              <a:off x="8064953" y="3440302"/>
               <a:ext cx="63202" cy="63202"/>
             </a:xfrm>
             <a:custGeom>
@@ -5266,7 +5266,7 @@
           </p:nvSpPr>
           <p:spPr>
             <a:xfrm>
-              <a:off x="7779599" y="4505001"/>
+              <a:off x="8070410" y="4506508"/>
               <a:ext cx="63202" cy="63202"/>
             </a:xfrm>
             <a:custGeom>
@@ -5309,7 +5309,7 @@
           </p:nvSpPr>
           <p:spPr>
             <a:xfrm>
-              <a:off x="7727977" y="2409212"/>
+              <a:off x="8126868" y="2407081"/>
               <a:ext cx="63202" cy="63202"/>
             </a:xfrm>
             <a:custGeom>
@@ -5352,7 +5352,7 @@
           </p:nvSpPr>
           <p:spPr>
             <a:xfrm>
-              <a:off x="8401079" y="2277212"/>
+              <a:off x="7806830" y="2276441"/>
               <a:ext cx="63202" cy="63202"/>
             </a:xfrm>
             <a:custGeom>
@@ -5395,7 +5395,7 @@
           </p:nvSpPr>
           <p:spPr>
             <a:xfrm>
-              <a:off x="7972058" y="3562793"/>
+              <a:off x="8187113" y="3561658"/>
               <a:ext cx="63202" cy="63202"/>
             </a:xfrm>
             <a:custGeom>
@@ -5438,7 +5438,7 @@
           </p:nvSpPr>
           <p:spPr>
             <a:xfrm>
-              <a:off x="8360115" y="4522030"/>
+              <a:off x="7643271" y="4522213"/>
               <a:ext cx="63202" cy="63202"/>
             </a:xfrm>
             <a:custGeom>
@@ -5481,7 +5481,7 @@
           </p:nvSpPr>
           <p:spPr>
             <a:xfrm>
-              <a:off x="7643369" y="2161069"/>
+              <a:off x="7825012" y="2160073"/>
               <a:ext cx="63202" cy="63202"/>
             </a:xfrm>
             <a:custGeom>
@@ -5524,7 +5524,7 @@
           </p:nvSpPr>
           <p:spPr>
             <a:xfrm>
-              <a:off x="7672928" y="2472373"/>
+              <a:off x="7484766" y="2473511"/>
               <a:ext cx="63202" cy="63202"/>
             </a:xfrm>
             <a:custGeom>
@@ -5567,7 +5567,7 @@
           </p:nvSpPr>
           <p:spPr>
             <a:xfrm>
-              <a:off x="8246372" y="2086078"/>
+              <a:off x="8335794" y="2086070"/>
               <a:ext cx="63202" cy="63202"/>
             </a:xfrm>
             <a:custGeom>
@@ -5610,7 +5610,7 @@
           </p:nvSpPr>
           <p:spPr>
             <a:xfrm>
-              <a:off x="8078407" y="2469569"/>
+              <a:off x="7851993" y="2470163"/>
               <a:ext cx="63202" cy="63202"/>
             </a:xfrm>
             <a:custGeom>
@@ -5653,7 +5653,7 @@
           </p:nvSpPr>
           <p:spPr>
             <a:xfrm>
-              <a:off x="8089607" y="2036113"/>
+              <a:off x="8264776" y="2034339"/>
               <a:ext cx="63202" cy="63202"/>
             </a:xfrm>
             <a:custGeom>
@@ -5696,7 +5696,7 @@
           </p:nvSpPr>
           <p:spPr>
             <a:xfrm>
-              <a:off x="7625967" y="2745491"/>
+              <a:off x="8217074" y="2743155"/>
               <a:ext cx="63202" cy="63202"/>
             </a:xfrm>
             <a:custGeom>
@@ -5739,7 +5739,7 @@
           </p:nvSpPr>
           <p:spPr>
             <a:xfrm>
-              <a:off x="8291898" y="1641734"/>
+              <a:off x="7817472" y="1641734"/>
               <a:ext cx="63202" cy="63202"/>
             </a:xfrm>
             <a:custGeom>
@@ -5782,7 +5782,7 @@
           </p:nvSpPr>
           <p:spPr>
             <a:xfrm>
-              <a:off x="7712600" y="3232687"/>
+              <a:off x="8190751" y="3233949"/>
               <a:ext cx="63202" cy="63202"/>
             </a:xfrm>
             <a:custGeom>
@@ -5825,7 +5825,7 @@
           </p:nvSpPr>
           <p:spPr>
             <a:xfrm>
-              <a:off x="7807989" y="2630372"/>
+              <a:off x="7501329" y="2627866"/>
               <a:ext cx="63202" cy="63202"/>
             </a:xfrm>
             <a:custGeom>
@@ -5868,7 +5868,7 @@
           </p:nvSpPr>
           <p:spPr>
             <a:xfrm>
-              <a:off x="8130413" y="2511742"/>
+              <a:off x="7817332" y="2510706"/>
               <a:ext cx="63202" cy="63202"/>
             </a:xfrm>
             <a:custGeom>
@@ -5911,7 +5911,7 @@
           </p:nvSpPr>
           <p:spPr>
             <a:xfrm>
-              <a:off x="7934852" y="2728113"/>
+              <a:off x="7945936" y="2726579"/>
               <a:ext cx="63202" cy="63202"/>
             </a:xfrm>
             <a:custGeom>
@@ -5954,7 +5954,7 @@
           </p:nvSpPr>
           <p:spPr>
             <a:xfrm>
-              <a:off x="7556633" y="3220673"/>
+              <a:off x="7737140" y="3220454"/>
               <a:ext cx="63202" cy="63202"/>
             </a:xfrm>
             <a:custGeom>
@@ -5997,7 +5997,7 @@
           </p:nvSpPr>
           <p:spPr>
             <a:xfrm>
-              <a:off x="7834274" y="2944858"/>
+              <a:off x="7896153" y="2943794"/>
               <a:ext cx="63202" cy="63202"/>
             </a:xfrm>
             <a:custGeom>
@@ -6040,7 +6040,7 @@
           </p:nvSpPr>
           <p:spPr>
             <a:xfrm>
-              <a:off x="7597980" y="3094642"/>
+              <a:off x="7724708" y="3094925"/>
               <a:ext cx="63202" cy="63202"/>
             </a:xfrm>
             <a:custGeom>
@@ -6083,7 +6083,7 @@
           </p:nvSpPr>
           <p:spPr>
             <a:xfrm>
-              <a:off x="7865491" y="3009771"/>
+              <a:off x="8094629" y="3008398"/>
               <a:ext cx="63202" cy="63202"/>
             </a:xfrm>
             <a:custGeom>
@@ -6126,7 +6126,7 @@
           </p:nvSpPr>
           <p:spPr>
             <a:xfrm>
-              <a:off x="8218084" y="3294431"/>
+              <a:off x="8377501" y="3293834"/>
               <a:ext cx="63202" cy="63202"/>
             </a:xfrm>
             <a:custGeom>
@@ -6169,7 +6169,7 @@
           </p:nvSpPr>
           <p:spPr>
             <a:xfrm>
-              <a:off x="7519407" y="3776606"/>
+              <a:off x="8341556" y="3776349"/>
               <a:ext cx="63202" cy="63202"/>
             </a:xfrm>
             <a:custGeom>
@@ -7001,7 +7001,7 @@
           </p:nvSpPr>
           <p:spPr>
             <a:xfrm>
-              <a:off x="1148183" y="6809670"/>
+              <a:off x="1148183" y="6810658"/>
               <a:ext cx="186466" cy="81691"/>
             </a:xfrm>
             <a:prstGeom prst="rect">
@@ -7047,7 +7047,7 @@
           </p:nvSpPr>
           <p:spPr>
             <a:xfrm>
-              <a:off x="1148183" y="5113194"/>
+              <a:off x="1148183" y="5113465"/>
               <a:ext cx="186466" cy="81691"/>
             </a:xfrm>
             <a:prstGeom prst="rect">
@@ -7093,7 +7093,7 @@
           </p:nvSpPr>
           <p:spPr>
             <a:xfrm>
-              <a:off x="1148183" y="3416717"/>
+              <a:off x="1148183" y="3416273"/>
               <a:ext cx="186466" cy="81691"/>
             </a:xfrm>
             <a:prstGeom prst="rect">
@@ -7139,7 +7139,7 @@
           </p:nvSpPr>
           <p:spPr>
             <a:xfrm>
-              <a:off x="1148183" y="1720240"/>
+              <a:off x="1148183" y="1719081"/>
               <a:ext cx="186466" cy="81691"/>
             </a:xfrm>
             <a:prstGeom prst="rect">
@@ -7185,7 +7185,7 @@
           </p:nvSpPr>
           <p:spPr>
             <a:xfrm>
-              <a:off x="1362485" y="6851362"/>
+              <a:off x="1362485" y="6852349"/>
               <a:ext cx="34794" cy="0"/>
             </a:xfrm>
             <a:custGeom>
@@ -7225,7 +7225,7 @@
           </p:nvSpPr>
           <p:spPr>
             <a:xfrm>
-              <a:off x="1362485" y="5154885"/>
+              <a:off x="1362485" y="5155157"/>
               <a:ext cx="34794" cy="0"/>
             </a:xfrm>
             <a:custGeom>
@@ -7265,7 +7265,7 @@
           </p:nvSpPr>
           <p:spPr>
             <a:xfrm>
-              <a:off x="1362485" y="3458408"/>
+              <a:off x="1362485" y="3457965"/>
               <a:ext cx="34794" cy="0"/>
             </a:xfrm>
             <a:custGeom>
@@ -7305,7 +7305,7 @@
           </p:nvSpPr>
           <p:spPr>
             <a:xfrm>
-              <a:off x="1362485" y="1761932"/>
+              <a:off x="1362485" y="1760772"/>
               <a:ext cx="34794" cy="0"/>
             </a:xfrm>
             <a:custGeom>

--- a/Images/Figures_PPT/Jitter_Plot_SIN1_All.pptx
+++ b/Images/Figures_PPT/Jitter_Plot_SIN1_All.pptx
@@ -2359,7 +2359,7 @@
           </p:nvSpPr>
           <p:spPr>
             <a:xfrm>
-              <a:off x="1397280" y="6003753"/>
+              <a:off x="1397280" y="6003451"/>
               <a:ext cx="2817450" cy="0"/>
             </a:xfrm>
             <a:custGeom>
@@ -2402,7 +2402,7 @@
           </p:nvSpPr>
           <p:spPr>
             <a:xfrm>
-              <a:off x="1397280" y="4306561"/>
+              <a:off x="1397280" y="4306263"/>
               <a:ext cx="2817450" cy="0"/>
             </a:xfrm>
             <a:custGeom>
@@ -2445,7 +2445,7 @@
           </p:nvSpPr>
           <p:spPr>
             <a:xfrm>
-              <a:off x="1397280" y="2609368"/>
+              <a:off x="1397280" y="2609075"/>
               <a:ext cx="2817450" cy="0"/>
             </a:xfrm>
             <a:custGeom>
@@ -2488,7 +2488,7 @@
           </p:nvSpPr>
           <p:spPr>
             <a:xfrm>
-              <a:off x="1397280" y="6852349"/>
+              <a:off x="1397280" y="6852045"/>
               <a:ext cx="2817450" cy="0"/>
             </a:xfrm>
             <a:custGeom>
@@ -2531,7 +2531,7 @@
           </p:nvSpPr>
           <p:spPr>
             <a:xfrm>
-              <a:off x="1397280" y="5155157"/>
+              <a:off x="1397280" y="5154857"/>
               <a:ext cx="2817450" cy="0"/>
             </a:xfrm>
             <a:custGeom>
@@ -2574,7 +2574,7 @@
           </p:nvSpPr>
           <p:spPr>
             <a:xfrm>
-              <a:off x="1397280" y="3457965"/>
+              <a:off x="1397280" y="3457669"/>
               <a:ext cx="2817450" cy="0"/>
             </a:xfrm>
             <a:custGeom>
@@ -2617,7 +2617,7 @@
           </p:nvSpPr>
           <p:spPr>
             <a:xfrm>
-              <a:off x="1397280" y="1760772"/>
+              <a:off x="1397280" y="1760481"/>
               <a:ext cx="2817450" cy="0"/>
             </a:xfrm>
             <a:custGeom>
@@ -2746,7 +2746,7 @@
           </p:nvSpPr>
           <p:spPr>
             <a:xfrm>
-              <a:off x="2423443" y="3299618"/>
+              <a:off x="2525642" y="3301105"/>
               <a:ext cx="63202" cy="63202"/>
             </a:xfrm>
             <a:custGeom>
@@ -2789,7 +2789,7 @@
           </p:nvSpPr>
           <p:spPr>
             <a:xfrm>
-              <a:off x="2253075" y="3299466"/>
+              <a:off x="1788073" y="3301740"/>
               <a:ext cx="63202" cy="63202"/>
             </a:xfrm>
             <a:custGeom>
@@ -2832,7 +2832,7 @@
           </p:nvSpPr>
           <p:spPr>
             <a:xfrm>
-              <a:off x="2318892" y="3893637"/>
+              <a:off x="2156969" y="3895131"/>
               <a:ext cx="63202" cy="63202"/>
             </a:xfrm>
             <a:custGeom>
@@ -2875,7 +2875,7 @@
           </p:nvSpPr>
           <p:spPr>
             <a:xfrm>
-              <a:off x="2604626" y="3317827"/>
+              <a:off x="2494833" y="3317030"/>
               <a:ext cx="63202" cy="63202"/>
             </a:xfrm>
             <a:custGeom>
@@ -2918,7 +2918,7 @@
           </p:nvSpPr>
           <p:spPr>
             <a:xfrm>
-              <a:off x="2135399" y="3752547"/>
+              <a:off x="2015428" y="3753257"/>
               <a:ext cx="63202" cy="63202"/>
             </a:xfrm>
             <a:custGeom>
@@ -2961,7 +2961,7 @@
           </p:nvSpPr>
           <p:spPr>
             <a:xfrm>
-              <a:off x="1896327" y="3701760"/>
+              <a:off x="2540369" y="3701822"/>
               <a:ext cx="63202" cy="63202"/>
             </a:xfrm>
             <a:custGeom>
@@ -3060,7 +3060,7 @@
           </p:nvSpPr>
           <p:spPr>
             <a:xfrm>
-              <a:off x="4284320" y="6003753"/>
+              <a:off x="4284320" y="6003451"/>
               <a:ext cx="2817450" cy="0"/>
             </a:xfrm>
             <a:custGeom>
@@ -3103,7 +3103,7 @@
           </p:nvSpPr>
           <p:spPr>
             <a:xfrm>
-              <a:off x="4284320" y="4306561"/>
+              <a:off x="4284320" y="4306263"/>
               <a:ext cx="2817450" cy="0"/>
             </a:xfrm>
             <a:custGeom>
@@ -3146,7 +3146,7 @@
           </p:nvSpPr>
           <p:spPr>
             <a:xfrm>
-              <a:off x="4284320" y="2609368"/>
+              <a:off x="4284320" y="2609075"/>
               <a:ext cx="2817450" cy="0"/>
             </a:xfrm>
             <a:custGeom>
@@ -3189,7 +3189,7 @@
           </p:nvSpPr>
           <p:spPr>
             <a:xfrm>
-              <a:off x="4284320" y="6852349"/>
+              <a:off x="4284320" y="6852045"/>
               <a:ext cx="2817450" cy="0"/>
             </a:xfrm>
             <a:custGeom>
@@ -3232,7 +3232,7 @@
           </p:nvSpPr>
           <p:spPr>
             <a:xfrm>
-              <a:off x="4284320" y="5155157"/>
+              <a:off x="4284320" y="5154857"/>
               <a:ext cx="2817450" cy="0"/>
             </a:xfrm>
             <a:custGeom>
@@ -3275,7 +3275,7 @@
           </p:nvSpPr>
           <p:spPr>
             <a:xfrm>
-              <a:off x="4284320" y="3457965"/>
+              <a:off x="4284320" y="3457669"/>
               <a:ext cx="2817450" cy="0"/>
             </a:xfrm>
             <a:custGeom>
@@ -3318,7 +3318,7 @@
           </p:nvSpPr>
           <p:spPr>
             <a:xfrm>
-              <a:off x="4284320" y="1760772"/>
+              <a:off x="4284320" y="1760481"/>
               <a:ext cx="2817450" cy="0"/>
             </a:xfrm>
             <a:custGeom>
@@ -3447,7 +3447,7 @@
           </p:nvSpPr>
           <p:spPr>
             <a:xfrm>
-              <a:off x="5923627" y="6020770"/>
+              <a:off x="5834431" y="6020200"/>
               <a:ext cx="63202" cy="63202"/>
             </a:xfrm>
             <a:custGeom>
@@ -3490,7 +3490,7 @@
           </p:nvSpPr>
           <p:spPr>
             <a:xfrm>
-              <a:off x="6660827" y="5686827"/>
+              <a:off x="6149706" y="5686675"/>
               <a:ext cx="63202" cy="63202"/>
             </a:xfrm>
             <a:custGeom>
@@ -3589,7 +3589,7 @@
           </p:nvSpPr>
           <p:spPr>
             <a:xfrm>
-              <a:off x="7171360" y="6003753"/>
+              <a:off x="7171360" y="6003451"/>
               <a:ext cx="2817450" cy="0"/>
             </a:xfrm>
             <a:custGeom>
@@ -3632,7 +3632,7 @@
           </p:nvSpPr>
           <p:spPr>
             <a:xfrm>
-              <a:off x="7171360" y="4306561"/>
+              <a:off x="7171360" y="4306263"/>
               <a:ext cx="2817450" cy="0"/>
             </a:xfrm>
             <a:custGeom>
@@ -3675,7 +3675,7 @@
           </p:nvSpPr>
           <p:spPr>
             <a:xfrm>
-              <a:off x="7171360" y="2609368"/>
+              <a:off x="7171360" y="2609075"/>
               <a:ext cx="2817450" cy="0"/>
             </a:xfrm>
             <a:custGeom>
@@ -3718,7 +3718,7 @@
           </p:nvSpPr>
           <p:spPr>
             <a:xfrm>
-              <a:off x="7171360" y="6852349"/>
+              <a:off x="7171360" y="6852045"/>
               <a:ext cx="2817450" cy="0"/>
             </a:xfrm>
             <a:custGeom>
@@ -3761,7 +3761,7 @@
           </p:nvSpPr>
           <p:spPr>
             <a:xfrm>
-              <a:off x="7171360" y="5155157"/>
+              <a:off x="7171360" y="5154857"/>
               <a:ext cx="2817450" cy="0"/>
             </a:xfrm>
             <a:custGeom>
@@ -3804,7 +3804,7 @@
           </p:nvSpPr>
           <p:spPr>
             <a:xfrm>
-              <a:off x="7171360" y="3457965"/>
+              <a:off x="7171360" y="3457669"/>
               <a:ext cx="2817450" cy="0"/>
             </a:xfrm>
             <a:custGeom>
@@ -3847,7 +3847,7 @@
           </p:nvSpPr>
           <p:spPr>
             <a:xfrm>
-              <a:off x="7171360" y="1760772"/>
+              <a:off x="7171360" y="1760481"/>
               <a:ext cx="2817450" cy="0"/>
             </a:xfrm>
             <a:custGeom>
@@ -3976,7 +3976,7 @@
           </p:nvSpPr>
           <p:spPr>
             <a:xfrm>
-              <a:off x="7453217" y="2978404"/>
+              <a:off x="7913146" y="2977284"/>
               <a:ext cx="63202" cy="63202"/>
             </a:xfrm>
             <a:custGeom>
@@ -4019,7 +4019,7 @@
           </p:nvSpPr>
           <p:spPr>
             <a:xfrm>
-              <a:off x="7853039" y="3246830"/>
+              <a:off x="7837029" y="3246101"/>
               <a:ext cx="63202" cy="63202"/>
             </a:xfrm>
             <a:custGeom>
@@ -4062,7 +4062,7 @@
           </p:nvSpPr>
           <p:spPr>
             <a:xfrm>
-              <a:off x="8680681" y="6634049"/>
+              <a:off x="9150355" y="6634049"/>
               <a:ext cx="63202" cy="63202"/>
             </a:xfrm>
             <a:custGeom>
@@ -4105,7 +4105,7 @@
           </p:nvSpPr>
           <p:spPr>
             <a:xfrm>
-              <a:off x="9380955" y="6463806"/>
+              <a:off x="9492295" y="6464172"/>
               <a:ext cx="63202" cy="63202"/>
             </a:xfrm>
             <a:custGeom>
@@ -4148,7 +4148,7 @@
           </p:nvSpPr>
           <p:spPr>
             <a:xfrm>
-              <a:off x="9627766" y="5159595"/>
+              <a:off x="8867464" y="5160585"/>
               <a:ext cx="63202" cy="63202"/>
             </a:xfrm>
             <a:custGeom>
@@ -4191,7 +4191,7 @@
           </p:nvSpPr>
           <p:spPr>
             <a:xfrm>
-              <a:off x="7624975" y="3423975"/>
+              <a:off x="8230359" y="3421765"/>
               <a:ext cx="63202" cy="63202"/>
             </a:xfrm>
             <a:custGeom>
@@ -4234,7 +4234,7 @@
           </p:nvSpPr>
           <p:spPr>
             <a:xfrm>
-              <a:off x="8833816" y="6144943"/>
+              <a:off x="9479043" y="6144594"/>
               <a:ext cx="63202" cy="63202"/>
             </a:xfrm>
             <a:custGeom>
@@ -4277,7 +4277,7 @@
           </p:nvSpPr>
           <p:spPr>
             <a:xfrm>
-              <a:off x="8929301" y="5782988"/>
+              <a:off x="9504320" y="5781289"/>
               <a:ext cx="63202" cy="63202"/>
             </a:xfrm>
             <a:custGeom>
@@ -4320,7 +4320,7 @@
           </p:nvSpPr>
           <p:spPr>
             <a:xfrm>
-              <a:off x="7490425" y="4650846"/>
+              <a:off x="8144319" y="4651339"/>
               <a:ext cx="63202" cy="63202"/>
             </a:xfrm>
             <a:custGeom>
@@ -4363,7 +4363,7 @@
           </p:nvSpPr>
           <p:spPr>
             <a:xfrm>
-              <a:off x="8357919" y="2278102"/>
+              <a:off x="8208886" y="2279950"/>
               <a:ext cx="63202" cy="63202"/>
             </a:xfrm>
             <a:custGeom>
@@ -4406,7 +4406,7 @@
           </p:nvSpPr>
           <p:spPr>
             <a:xfrm>
-              <a:off x="8082146" y="2880590"/>
+              <a:off x="8205657" y="2878415"/>
               <a:ext cx="63202" cy="63202"/>
             </a:xfrm>
             <a:custGeom>
@@ -4449,7 +4449,7 @@
           </p:nvSpPr>
           <p:spPr>
             <a:xfrm>
-              <a:off x="7851440" y="2465416"/>
+              <a:off x="8350502" y="2466290"/>
               <a:ext cx="63202" cy="63202"/>
             </a:xfrm>
             <a:custGeom>
@@ -4492,7 +4492,7 @@
           </p:nvSpPr>
           <p:spPr>
             <a:xfrm>
-              <a:off x="7753683" y="4717065"/>
+              <a:off x="7887838" y="4714657"/>
               <a:ext cx="63202" cy="63202"/>
             </a:xfrm>
             <a:custGeom>
@@ -4535,7 +4535,7 @@
           </p:nvSpPr>
           <p:spPr>
             <a:xfrm>
-              <a:off x="7635074" y="2576424"/>
+              <a:off x="7674613" y="2577447"/>
               <a:ext cx="63202" cy="63202"/>
             </a:xfrm>
             <a:custGeom>
@@ -4578,7 +4578,7 @@
           </p:nvSpPr>
           <p:spPr>
             <a:xfrm>
-              <a:off x="7495520" y="2237588"/>
+              <a:off x="7420242" y="2237553"/>
               <a:ext cx="63202" cy="63202"/>
             </a:xfrm>
             <a:custGeom>
@@ -4621,7 +4621,7 @@
           </p:nvSpPr>
           <p:spPr>
             <a:xfrm>
-              <a:off x="8119002" y="2238840"/>
+              <a:off x="8199273" y="2236893"/>
               <a:ext cx="63202" cy="63202"/>
             </a:xfrm>
             <a:custGeom>
@@ -4664,7 +4664,7 @@
           </p:nvSpPr>
           <p:spPr>
             <a:xfrm>
-              <a:off x="8238462" y="2238572"/>
+              <a:off x="7491643" y="2237824"/>
               <a:ext cx="63202" cy="63202"/>
             </a:xfrm>
             <a:custGeom>
@@ -4707,7 +4707,7 @@
           </p:nvSpPr>
           <p:spPr>
             <a:xfrm>
-              <a:off x="8273837" y="2238763"/>
+              <a:off x="7945807" y="2238177"/>
               <a:ext cx="63202" cy="63202"/>
             </a:xfrm>
             <a:custGeom>
@@ -4750,7 +4750,7 @@
           </p:nvSpPr>
           <p:spPr>
             <a:xfrm>
-              <a:off x="7864554" y="2239044"/>
+              <a:off x="8362116" y="2238268"/>
               <a:ext cx="63202" cy="63202"/>
             </a:xfrm>
             <a:custGeom>
@@ -4793,7 +4793,7 @@
           </p:nvSpPr>
           <p:spPr>
             <a:xfrm>
-              <a:off x="7592628" y="4838108"/>
+              <a:off x="7798095" y="4837745"/>
               <a:ext cx="63202" cy="63202"/>
             </a:xfrm>
             <a:custGeom>
@@ -4836,7 +4836,7 @@
           </p:nvSpPr>
           <p:spPr>
             <a:xfrm>
-              <a:off x="8060440" y="4495445"/>
+              <a:off x="7970369" y="4496434"/>
               <a:ext cx="63202" cy="63202"/>
             </a:xfrm>
             <a:custGeom>
@@ -4879,7 +4879,7 @@
           </p:nvSpPr>
           <p:spPr>
             <a:xfrm>
-              <a:off x="7558456" y="2577780"/>
+              <a:off x="7606525" y="2578646"/>
               <a:ext cx="63202" cy="63202"/>
             </a:xfrm>
             <a:custGeom>
@@ -4922,7 +4922,7 @@
           </p:nvSpPr>
           <p:spPr>
             <a:xfrm>
-              <a:off x="8036921" y="3351233"/>
+              <a:off x="7817374" y="3352365"/>
               <a:ext cx="63202" cy="63202"/>
             </a:xfrm>
             <a:custGeom>
@@ -4965,7 +4965,7 @@
           </p:nvSpPr>
           <p:spPr>
             <a:xfrm>
-              <a:off x="8322289" y="3204623"/>
+              <a:off x="8288218" y="3205487"/>
               <a:ext cx="63202" cy="63202"/>
             </a:xfrm>
             <a:custGeom>
@@ -5008,7 +5008,7 @@
           </p:nvSpPr>
           <p:spPr>
             <a:xfrm>
-              <a:off x="7592370" y="4932255"/>
+              <a:off x="7698798" y="4933375"/>
               <a:ext cx="63202" cy="63202"/>
             </a:xfrm>
             <a:custGeom>
@@ -5051,7 +5051,7 @@
           </p:nvSpPr>
           <p:spPr>
             <a:xfrm>
-              <a:off x="7529331" y="4554218"/>
+              <a:off x="8414539" y="4552730"/>
               <a:ext cx="63202" cy="63202"/>
             </a:xfrm>
             <a:custGeom>
@@ -5094,7 +5094,7 @@
           </p:nvSpPr>
           <p:spPr>
             <a:xfrm>
-              <a:off x="8781192" y="5117024"/>
+              <a:off x="9343094" y="5115714"/>
               <a:ext cx="63202" cy="63202"/>
             </a:xfrm>
             <a:custGeom>
@@ -5137,7 +5137,7 @@
           </p:nvSpPr>
           <p:spPr>
             <a:xfrm>
-              <a:off x="8353395" y="2038602"/>
+              <a:off x="8329471" y="2038735"/>
               <a:ext cx="63202" cy="63202"/>
             </a:xfrm>
             <a:custGeom>
@@ -5180,7 +5180,7 @@
           </p:nvSpPr>
           <p:spPr>
             <a:xfrm>
-              <a:off x="7737763" y="3127002"/>
+              <a:off x="7490754" y="3127725"/>
               <a:ext cx="63202" cy="63202"/>
             </a:xfrm>
             <a:custGeom>
@@ -5223,7 +5223,7 @@
           </p:nvSpPr>
           <p:spPr>
             <a:xfrm>
-              <a:off x="8064953" y="3440302"/>
+              <a:off x="8122766" y="3439106"/>
               <a:ext cx="63202" cy="63202"/>
             </a:xfrm>
             <a:custGeom>
@@ -5266,7 +5266,7 @@
           </p:nvSpPr>
           <p:spPr>
             <a:xfrm>
-              <a:off x="8070410" y="4506508"/>
+              <a:off x="7708327" y="4506060"/>
               <a:ext cx="63202" cy="63202"/>
             </a:xfrm>
             <a:custGeom>
@@ -5309,7 +5309,7 @@
           </p:nvSpPr>
           <p:spPr>
             <a:xfrm>
-              <a:off x="8126868" y="2407081"/>
+              <a:off x="7648895" y="2409046"/>
               <a:ext cx="63202" cy="63202"/>
             </a:xfrm>
             <a:custGeom>
@@ -5352,7 +5352,7 @@
           </p:nvSpPr>
           <p:spPr>
             <a:xfrm>
-              <a:off x="7806830" y="2276441"/>
+              <a:off x="7904724" y="2275635"/>
               <a:ext cx="63202" cy="63202"/>
             </a:xfrm>
             <a:custGeom>
@@ -5395,7 +5395,7 @@
           </p:nvSpPr>
           <p:spPr>
             <a:xfrm>
-              <a:off x="8187113" y="3561658"/>
+              <a:off x="7841690" y="3560684"/>
               <a:ext cx="63202" cy="63202"/>
             </a:xfrm>
             <a:custGeom>
@@ -5438,7 +5438,7 @@
           </p:nvSpPr>
           <p:spPr>
             <a:xfrm>
-              <a:off x="7643271" y="4522213"/>
+              <a:off x="8386479" y="4522188"/>
               <a:ext cx="63202" cy="63202"/>
             </a:xfrm>
             <a:custGeom>
@@ -5481,7 +5481,7 @@
           </p:nvSpPr>
           <p:spPr>
             <a:xfrm>
-              <a:off x="7825012" y="2160073"/>
+              <a:off x="8194800" y="2160372"/>
               <a:ext cx="63202" cy="63202"/>
             </a:xfrm>
             <a:custGeom>
@@ -5524,7 +5524,7 @@
           </p:nvSpPr>
           <p:spPr>
             <a:xfrm>
-              <a:off x="7484766" y="2473511"/>
+              <a:off x="7763927" y="2472357"/>
               <a:ext cx="63202" cy="63202"/>
             </a:xfrm>
             <a:custGeom>
@@ -5567,7 +5567,7 @@
           </p:nvSpPr>
           <p:spPr>
             <a:xfrm>
-              <a:off x="8335794" y="2086070"/>
+              <a:off x="7970422" y="2085081"/>
               <a:ext cx="63202" cy="63202"/>
             </a:xfrm>
             <a:custGeom>
@@ -5610,7 +5610,7 @@
           </p:nvSpPr>
           <p:spPr>
             <a:xfrm>
-              <a:off x="7851993" y="2470163"/>
+              <a:off x="8240582" y="2467693"/>
               <a:ext cx="63202" cy="63202"/>
             </a:xfrm>
             <a:custGeom>
@@ -5653,7 +5653,7 @@
           </p:nvSpPr>
           <p:spPr>
             <a:xfrm>
-              <a:off x="8264776" y="2034339"/>
+              <a:off x="8308622" y="2035629"/>
               <a:ext cx="63202" cy="63202"/>
             </a:xfrm>
             <a:custGeom>
@@ -5696,7 +5696,7 @@
           </p:nvSpPr>
           <p:spPr>
             <a:xfrm>
-              <a:off x="8217074" y="2743155"/>
+              <a:off x="8306415" y="2742478"/>
               <a:ext cx="63202" cy="63202"/>
             </a:xfrm>
             <a:custGeom>
@@ -5739,7 +5739,7 @@
           </p:nvSpPr>
           <p:spPr>
             <a:xfrm>
-              <a:off x="7817472" y="1641734"/>
+              <a:off x="8112328" y="1641734"/>
               <a:ext cx="63202" cy="63202"/>
             </a:xfrm>
             <a:custGeom>
@@ -5782,7 +5782,7 @@
           </p:nvSpPr>
           <p:spPr>
             <a:xfrm>
-              <a:off x="8190751" y="3233949"/>
+              <a:off x="8314429" y="3232743"/>
               <a:ext cx="63202" cy="63202"/>
             </a:xfrm>
             <a:custGeom>
@@ -5825,7 +5825,7 @@
           </p:nvSpPr>
           <p:spPr>
             <a:xfrm>
-              <a:off x="7501329" y="2627866"/>
+              <a:off x="8343933" y="2629292"/>
               <a:ext cx="63202" cy="63202"/>
             </a:xfrm>
             <a:custGeom>
@@ -5868,7 +5868,7 @@
           </p:nvSpPr>
           <p:spPr>
             <a:xfrm>
-              <a:off x="7817332" y="2510706"/>
+              <a:off x="7627328" y="2510633"/>
               <a:ext cx="63202" cy="63202"/>
             </a:xfrm>
             <a:custGeom>
@@ -5911,7 +5911,7 @@
           </p:nvSpPr>
           <p:spPr>
             <a:xfrm>
-              <a:off x="7945936" y="2726579"/>
+              <a:off x="7627220" y="2726045"/>
               <a:ext cx="63202" cy="63202"/>
             </a:xfrm>
             <a:custGeom>
@@ -5954,7 +5954,7 @@
           </p:nvSpPr>
           <p:spPr>
             <a:xfrm>
-              <a:off x="7737140" y="3220454"/>
+              <a:off x="7441479" y="3218485"/>
               <a:ext cx="63202" cy="63202"/>
             </a:xfrm>
             <a:custGeom>
@@ -5997,7 +5997,7 @@
           </p:nvSpPr>
           <p:spPr>
             <a:xfrm>
-              <a:off x="7896153" y="2943794"/>
+              <a:off x="8282460" y="2944385"/>
               <a:ext cx="63202" cy="63202"/>
             </a:xfrm>
             <a:custGeom>
@@ -6040,7 +6040,7 @@
           </p:nvSpPr>
           <p:spPr>
             <a:xfrm>
-              <a:off x="7724708" y="3094925"/>
+              <a:off x="7887952" y="3092118"/>
               <a:ext cx="63202" cy="63202"/>
             </a:xfrm>
             <a:custGeom>
@@ -6083,7 +6083,7 @@
           </p:nvSpPr>
           <p:spPr>
             <a:xfrm>
-              <a:off x="8094629" y="3008398"/>
+              <a:off x="7977073" y="3008215"/>
               <a:ext cx="63202" cy="63202"/>
             </a:xfrm>
             <a:custGeom>
@@ -6126,7 +6126,7 @@
           </p:nvSpPr>
           <p:spPr>
             <a:xfrm>
-              <a:off x="8377501" y="3293834"/>
+              <a:off x="8380385" y="3292379"/>
               <a:ext cx="63202" cy="63202"/>
             </a:xfrm>
             <a:custGeom>
@@ -6169,7 +6169,7 @@
           </p:nvSpPr>
           <p:spPr>
             <a:xfrm>
-              <a:off x="8341556" y="3776349"/>
+              <a:off x="7543427" y="3775487"/>
               <a:ext cx="63202" cy="63202"/>
             </a:xfrm>
             <a:custGeom>
@@ -7001,7 +7001,7 @@
           </p:nvSpPr>
           <p:spPr>
             <a:xfrm>
-              <a:off x="1148183" y="6810658"/>
+              <a:off x="1148183" y="6810354"/>
               <a:ext cx="186466" cy="81691"/>
             </a:xfrm>
             <a:prstGeom prst="rect">
@@ -7047,7 +7047,7 @@
           </p:nvSpPr>
           <p:spPr>
             <a:xfrm>
-              <a:off x="1148183" y="5113465"/>
+              <a:off x="1148183" y="5113165"/>
               <a:ext cx="186466" cy="81691"/>
             </a:xfrm>
             <a:prstGeom prst="rect">
@@ -7093,7 +7093,7 @@
           </p:nvSpPr>
           <p:spPr>
             <a:xfrm>
-              <a:off x="1148183" y="3416273"/>
+              <a:off x="1148183" y="3415977"/>
               <a:ext cx="186466" cy="81691"/>
             </a:xfrm>
             <a:prstGeom prst="rect">
@@ -7139,7 +7139,7 @@
           </p:nvSpPr>
           <p:spPr>
             <a:xfrm>
-              <a:off x="1148183" y="1719081"/>
+              <a:off x="1148183" y="1718789"/>
               <a:ext cx="186466" cy="81691"/>
             </a:xfrm>
             <a:prstGeom prst="rect">
@@ -7185,7 +7185,7 @@
           </p:nvSpPr>
           <p:spPr>
             <a:xfrm>
-              <a:off x="1362485" y="6852349"/>
+              <a:off x="1362485" y="6852045"/>
               <a:ext cx="34794" cy="0"/>
             </a:xfrm>
             <a:custGeom>
@@ -7225,7 +7225,7 @@
           </p:nvSpPr>
           <p:spPr>
             <a:xfrm>
-              <a:off x="1362485" y="5155157"/>
+              <a:off x="1362485" y="5154857"/>
               <a:ext cx="34794" cy="0"/>
             </a:xfrm>
             <a:custGeom>
@@ -7265,7 +7265,7 @@
           </p:nvSpPr>
           <p:spPr>
             <a:xfrm>
-              <a:off x="1362485" y="3457965"/>
+              <a:off x="1362485" y="3457669"/>
               <a:ext cx="34794" cy="0"/>
             </a:xfrm>
             <a:custGeom>
@@ -7305,7 +7305,7 @@
           </p:nvSpPr>
           <p:spPr>
             <a:xfrm>
-              <a:off x="1362485" y="1760772"/>
+              <a:off x="1362485" y="1760481"/>
               <a:ext cx="34794" cy="0"/>
             </a:xfrm>
             <a:custGeom>
